--- a/day4/R Workshop Day 4 Slides.pptx
+++ b/day4/R Workshop Day 4 Slides.pptx
@@ -5,10 +5,10 @@
     <p:sldMasterId id="2147483648" r:id="rId1"/>
   </p:sldMasterIdLst>
   <p:notesMasterIdLst>
-    <p:notesMasterId r:id="rId11"/>
+    <p:notesMasterId r:id="rId12"/>
   </p:notesMasterIdLst>
   <p:handoutMasterIdLst>
-    <p:handoutMasterId r:id="rId12"/>
+    <p:handoutMasterId r:id="rId13"/>
   </p:handoutMasterIdLst>
   <p:sldIdLst>
     <p:sldId id="260" r:id="rId2"/>
@@ -19,7 +19,8 @@
     <p:sldId id="335" r:id="rId7"/>
     <p:sldId id="319" r:id="rId8"/>
     <p:sldId id="334" r:id="rId9"/>
-    <p:sldId id="301" r:id="rId10"/>
+    <p:sldId id="336" r:id="rId10"/>
+    <p:sldId id="301" r:id="rId11"/>
   </p:sldIdLst>
   <p:sldSz cx="9144000" cy="6858000" type="screen4x3"/>
   <p:notesSz cx="6858000" cy="9144000"/>
@@ -131,6 +132,7 @@
             <p14:sldId id="335"/>
             <p14:sldId id="319"/>
             <p14:sldId id="334"/>
+            <p14:sldId id="336"/>
             <p14:sldId id="301"/>
           </p14:sldIdLst>
         </p14:section>
@@ -4397,6 +4399,174 @@
 </p:sld>
 </file>
 
+<file path=ppt/slides/slide10.xml><?xml version="1.0" encoding="utf-8"?>
+<p:sld xmlns:a="http://schemas.openxmlformats.org/drawingml/2006/main" xmlns:r="http://schemas.openxmlformats.org/officeDocument/2006/relationships" xmlns:p="http://schemas.openxmlformats.org/presentationml/2006/main">
+  <p:cSld>
+    <p:spTree>
+      <p:nvGrpSpPr>
+        <p:cNvPr id="1" name=""/>
+        <p:cNvGrpSpPr/>
+        <p:nvPr/>
+      </p:nvGrpSpPr>
+      <p:grpSpPr>
+        <a:xfrm>
+          <a:off x="0" y="0"/>
+          <a:ext cx="0" cy="0"/>
+          <a:chOff x="0" y="0"/>
+          <a:chExt cx="0" cy="0"/>
+        </a:xfrm>
+      </p:grpSpPr>
+      <p:sp>
+        <p:nvSpPr>
+          <p:cNvPr id="2" name="Title 2">
+            <a:extLst>
+              <a:ext uri="{FF2B5EF4-FFF2-40B4-BE49-F238E27FC236}">
+                <a16:creationId xmlns:a16="http://schemas.microsoft.com/office/drawing/2014/main" id="{12BEE06C-3CB4-1A31-1F99-81886307D619}"/>
+              </a:ext>
+            </a:extLst>
+          </p:cNvPr>
+          <p:cNvSpPr txBox="1">
+            <a:spLocks/>
+          </p:cNvSpPr>
+          <p:nvPr/>
+        </p:nvSpPr>
+        <p:spPr>
+          <a:xfrm>
+            <a:off x="429870" y="306380"/>
+            <a:ext cx="7914030" cy="1587733"/>
+          </a:xfrm>
+          <a:prstGeom prst="rect">
+            <a:avLst/>
+          </a:prstGeom>
+        </p:spPr>
+        <p:txBody>
+          <a:bodyPr>
+            <a:noAutofit/>
+          </a:bodyPr>
+          <a:lstStyle>
+            <a:lvl1pPr algn="l" defTabSz="342991" rtl="0" eaLnBrk="1" latinLnBrk="0" hangingPunct="1">
+              <a:spcBef>
+                <a:spcPct val="0"/>
+              </a:spcBef>
+              <a:buNone/>
+              <a:defRPr sz="2701" b="1" i="0" kern="1200">
+                <a:solidFill>
+                  <a:srgbClr val="002D50"/>
+                </a:solidFill>
+                <a:latin typeface="Helvetica Neue"/>
+                <a:ea typeface="+mj-ea"/>
+                <a:cs typeface="Helvetica Neue"/>
+              </a:defRPr>
+            </a:lvl1pPr>
+          </a:lstStyle>
+          <a:p>
+            <a:r>
+              <a:rPr lang="en-US" sz="3200" dirty="0"/>
+              <a:t>Thank you!</a:t>
+            </a:r>
+          </a:p>
+          <a:p>
+            <a:endParaRPr lang="en-US" sz="3200" dirty="0"/>
+          </a:p>
+          <a:p>
+            <a:r>
+              <a:rPr lang="en-US" sz="3200" dirty="0"/>
+              <a:t>Please stay in touch.</a:t>
+            </a:r>
+          </a:p>
+          <a:p>
+            <a:endParaRPr lang="en-US" sz="3200" dirty="0"/>
+          </a:p>
+          <a:p>
+            <a:endParaRPr lang="en-US" sz="1800" b="0" dirty="0"/>
+          </a:p>
+          <a:p>
+            <a:endParaRPr lang="en-US" sz="1800" b="0" dirty="0"/>
+          </a:p>
+          <a:p>
+            <a:endParaRPr lang="en-US" sz="1800" b="0" dirty="0"/>
+          </a:p>
+          <a:p>
+            <a:endParaRPr lang="en-US" sz="1800" b="0" dirty="0"/>
+          </a:p>
+          <a:p>
+            <a:endParaRPr lang="en-US" sz="1800" b="0" dirty="0"/>
+          </a:p>
+          <a:p>
+            <a:endParaRPr lang="en-US" sz="1800" b="0" dirty="0"/>
+          </a:p>
+          <a:p>
+            <a:endParaRPr lang="en-US" sz="1800" b="0" dirty="0"/>
+          </a:p>
+          <a:p>
+            <a:endParaRPr lang="en-US" sz="1800" b="0" dirty="0"/>
+          </a:p>
+          <a:p>
+            <a:r>
+              <a:rPr lang="en-US" sz="1600" b="0" dirty="0"/>
+              <a:t>Lecture and course material adapted from Intro to R materials created by Alex Douglas, available online </a:t>
+            </a:r>
+            <a:r>
+              <a:rPr lang="en-US" sz="1600" b="0" dirty="0">
+                <a:hlinkClick r:id="rId2"/>
+              </a:rPr>
+              <a:t>here</a:t>
+            </a:r>
+            <a:r>
+              <a:rPr lang="en-US" sz="1600" b="0" dirty="0"/>
+              <a:t>, with corresponding free online textbook.</a:t>
+            </a:r>
+          </a:p>
+          <a:p>
+            <a:endParaRPr lang="en-US" sz="1800" b="0" dirty="0"/>
+          </a:p>
+        </p:txBody>
+      </p:sp>
+      <p:sp>
+        <p:nvSpPr>
+          <p:cNvPr id="3" name="TextBox 2">
+            <a:extLst>
+              <a:ext uri="{FF2B5EF4-FFF2-40B4-BE49-F238E27FC236}">
+                <a16:creationId xmlns:a16="http://schemas.microsoft.com/office/drawing/2014/main" id="{90953270-FC82-8F69-DD7E-DA9BB724AB36}"/>
+              </a:ext>
+            </a:extLst>
+          </p:cNvPr>
+          <p:cNvSpPr txBox="1"/>
+          <p:nvPr/>
+        </p:nvSpPr>
+        <p:spPr>
+          <a:xfrm>
+            <a:off x="930729" y="832757"/>
+            <a:ext cx="184731" cy="369332"/>
+          </a:xfrm>
+          <a:prstGeom prst="rect">
+            <a:avLst/>
+          </a:prstGeom>
+          <a:noFill/>
+        </p:spPr>
+        <p:txBody>
+          <a:bodyPr wrap="none" rtlCol="0">
+            <a:spAutoFit/>
+          </a:bodyPr>
+          <a:lstStyle/>
+          <a:p>
+            <a:endParaRPr lang="en-US" dirty="0"/>
+          </a:p>
+        </p:txBody>
+      </p:sp>
+    </p:spTree>
+    <p:extLst>
+      <p:ext uri="{BB962C8B-B14F-4D97-AF65-F5344CB8AC3E}">
+        <p14:creationId xmlns:p14="http://schemas.microsoft.com/office/powerpoint/2010/main" val="1064813303"/>
+      </p:ext>
+    </p:extLst>
+  </p:cSld>
+  <p:clrMapOvr>
+    <a:masterClrMapping/>
+  </p:clrMapOvr>
+</p:sld>
+</file>
+
 <file path=ppt/slides/slide2.xml><?xml version="1.0" encoding="utf-8"?>
 <p:sld xmlns:a="http://schemas.openxmlformats.org/drawingml/2006/main" xmlns:r="http://schemas.openxmlformats.org/officeDocument/2006/relationships" xmlns:p="http://schemas.openxmlformats.org/presentationml/2006/main">
   <p:cSld>
@@ -5218,8 +5388,8 @@
         </p:nvSpPr>
         <p:spPr>
           <a:xfrm>
-            <a:off x="429870" y="306380"/>
-            <a:ext cx="7914030" cy="1587733"/>
+            <a:off x="429870" y="306381"/>
+            <a:ext cx="8714130" cy="1143000"/>
           </a:xfrm>
           <a:prstGeom prst="rect">
             <a:avLst/>
@@ -5248,63 +5418,22 @@
           <a:p>
             <a:r>
               <a:rPr lang="en-US" sz="3200" dirty="0"/>
-              <a:t>Thank you!</a:t>
-            </a:r>
-          </a:p>
-          <a:p>
-            <a:endParaRPr lang="en-US" sz="3200" dirty="0"/>
+              <a:t>How to get good at R </a:t>
+            </a:r>
           </a:p>
           <a:p>
             <a:r>
               <a:rPr lang="en-US" sz="3200" dirty="0"/>
-              <a:t>Please stay in touch.</a:t>
-            </a:r>
-          </a:p>
-          <a:p>
-            <a:endParaRPr lang="en-US" sz="3200" dirty="0"/>
-          </a:p>
-          <a:p>
-            <a:endParaRPr lang="en-US" sz="1800" b="0" dirty="0"/>
-          </a:p>
-          <a:p>
-            <a:endParaRPr lang="en-US" sz="1800" b="0" dirty="0"/>
-          </a:p>
-          <a:p>
-            <a:endParaRPr lang="en-US" sz="1800" b="0" dirty="0"/>
-          </a:p>
-          <a:p>
-            <a:endParaRPr lang="en-US" sz="1800" b="0" dirty="0"/>
-          </a:p>
-          <a:p>
-            <a:endParaRPr lang="en-US" sz="1800" b="0" dirty="0"/>
-          </a:p>
-          <a:p>
-            <a:endParaRPr lang="en-US" sz="1800" b="0" dirty="0"/>
-          </a:p>
-          <a:p>
-            <a:endParaRPr lang="en-US" sz="1800" b="0" dirty="0"/>
-          </a:p>
-          <a:p>
-            <a:endParaRPr lang="en-US" sz="1800" b="0" dirty="0"/>
-          </a:p>
-          <a:p>
-            <a:r>
-              <a:rPr lang="en-US" sz="1600" b="0" dirty="0"/>
-              <a:t>Lecture and course material adapted from Intro to R materials created by Alex Douglas, available online </a:t>
-            </a:r>
-            <a:r>
-              <a:rPr lang="en-US" sz="1600" b="0" dirty="0">
-                <a:hlinkClick r:id="rId2"/>
-              </a:rPr>
-              <a:t>here</a:t>
-            </a:r>
-            <a:r>
-              <a:rPr lang="en-US" sz="1600" b="0" dirty="0"/>
-              <a:t>, with corresponding free online textbook.</a:t>
-            </a:r>
-          </a:p>
-          <a:p>
-            <a:endParaRPr lang="en-US" sz="1800" b="0" dirty="0"/>
+              <a:t>(or python, or SQL, </a:t>
+            </a:r>
+            <a:r>
+              <a:rPr lang="en-US" sz="3200" dirty="0" err="1"/>
+              <a:t>github</a:t>
+            </a:r>
+            <a:r>
+              <a:rPr lang="en-US" sz="3200" dirty="0"/>
+              <a:t>, or…)</a:t>
+            </a:r>
           </a:p>
         </p:txBody>
       </p:sp>
@@ -5313,7 +5442,7 @@
           <p:cNvPr id="3" name="TextBox 2">
             <a:extLst>
               <a:ext uri="{FF2B5EF4-FFF2-40B4-BE49-F238E27FC236}">
-                <a16:creationId xmlns:a16="http://schemas.microsoft.com/office/drawing/2014/main" id="{90953270-FC82-8F69-DD7E-DA9BB724AB36}"/>
+                <a16:creationId xmlns:a16="http://schemas.microsoft.com/office/drawing/2014/main" id="{6FCDE2E2-BE58-98DF-E6DF-D5CDACFFECFD}"/>
               </a:ext>
             </a:extLst>
           </p:cNvPr>
@@ -5322,8 +5451,8 @@
         </p:nvSpPr>
         <p:spPr>
           <a:xfrm>
-            <a:off x="930729" y="832757"/>
-            <a:ext cx="184731" cy="369332"/>
+            <a:off x="429870" y="1616528"/>
+            <a:ext cx="8463407" cy="3693319"/>
           </a:xfrm>
           <a:prstGeom prst="rect">
             <a:avLst/>
@@ -5336,14 +5465,90 @@
           </a:bodyPr>
           <a:lstStyle/>
           <a:p>
-            <a:endParaRPr lang="en-US" dirty="0"/>
+            <a:pPr marL="457200" indent="-457200">
+              <a:buFont typeface="Arial" panose="020B0604020202020204" pitchFamily="34" charset="0"/>
+              <a:buChar char="•"/>
+            </a:pPr>
+            <a:r>
+              <a:rPr lang="en-US" sz="2600" dirty="0"/>
+              <a:t>Use R, and use it often</a:t>
+            </a:r>
+          </a:p>
+          <a:p>
+            <a:pPr marL="914400" lvl="1" indent="-457200">
+              <a:buFont typeface="Arial" panose="020B0604020202020204" pitchFamily="34" charset="0"/>
+              <a:buChar char="•"/>
+            </a:pPr>
+            <a:r>
+              <a:rPr lang="en-US" sz="2600" dirty="0"/>
+              <a:t>Use R when you could use Excel, even if it takes longer</a:t>
+            </a:r>
+          </a:p>
+          <a:p>
+            <a:pPr marL="914400" lvl="1" indent="-457200">
+              <a:buFont typeface="Arial" panose="020B0604020202020204" pitchFamily="34" charset="0"/>
+              <a:buChar char="•"/>
+            </a:pPr>
+            <a:r>
+              <a:rPr lang="en-US" sz="2600" dirty="0"/>
+              <a:t>Consider a fun personal project</a:t>
+            </a:r>
+          </a:p>
+          <a:p>
+            <a:pPr marL="914400" lvl="1" indent="-457200">
+              <a:buFont typeface="Arial" panose="020B0604020202020204" pitchFamily="34" charset="0"/>
+              <a:buChar char="•"/>
+            </a:pPr>
+            <a:endParaRPr lang="en-US" sz="2600" dirty="0"/>
+          </a:p>
+          <a:p>
+            <a:pPr marL="457200" indent="-457200">
+              <a:buFont typeface="Arial" panose="020B0604020202020204" pitchFamily="34" charset="0"/>
+              <a:buChar char="•"/>
+            </a:pPr>
+            <a:r>
+              <a:rPr lang="en-US" sz="2600" dirty="0"/>
+              <a:t>Follow others on </a:t>
+            </a:r>
+            <a:r>
+              <a:rPr lang="en-US" sz="2600" dirty="0" err="1"/>
+              <a:t>github</a:t>
+            </a:r>
+            <a:r>
+              <a:rPr lang="en-US" sz="2600" dirty="0"/>
+              <a:t> and check out what they’re doing</a:t>
+            </a:r>
+          </a:p>
+          <a:p>
+            <a:pPr marL="457200" indent="-457200">
+              <a:buFont typeface="Arial" panose="020B0604020202020204" pitchFamily="34" charset="0"/>
+              <a:buChar char="•"/>
+            </a:pPr>
+            <a:endParaRPr lang="en-US" sz="2600" dirty="0"/>
+          </a:p>
+          <a:p>
+            <a:pPr marL="457200" indent="-457200">
+              <a:buFont typeface="Arial" panose="020B0604020202020204" pitchFamily="34" charset="0"/>
+              <a:buChar char="•"/>
+            </a:pPr>
+            <a:endParaRPr lang="en-US" sz="2600" dirty="0"/>
+          </a:p>
+          <a:p>
+            <a:endParaRPr lang="en-US" sz="2600" dirty="0"/>
+          </a:p>
+          <a:p>
+            <a:pPr marL="914400" lvl="1" indent="-457200">
+              <a:buFont typeface="Arial" panose="020B0604020202020204" pitchFamily="34" charset="0"/>
+              <a:buChar char="•"/>
+            </a:pPr>
+            <a:endParaRPr lang="en-US" sz="2600" dirty="0"/>
           </a:p>
         </p:txBody>
       </p:sp>
     </p:spTree>
     <p:extLst>
       <p:ext uri="{BB962C8B-B14F-4D97-AF65-F5344CB8AC3E}">
-        <p14:creationId xmlns:p14="http://schemas.microsoft.com/office/powerpoint/2010/main" val="1064813303"/>
+        <p14:creationId xmlns:p14="http://schemas.microsoft.com/office/powerpoint/2010/main" val="3555015706"/>
       </p:ext>
     </p:extLst>
   </p:cSld>

--- a/day4/R Workshop Day 4 Slides.pptx
+++ b/day4/R Workshop Day 4 Slides.pptx
@@ -5,22 +5,23 @@
     <p:sldMasterId id="2147483648" r:id="rId1"/>
   </p:sldMasterIdLst>
   <p:notesMasterIdLst>
-    <p:notesMasterId r:id="rId12"/>
+    <p:notesMasterId r:id="rId13"/>
   </p:notesMasterIdLst>
   <p:handoutMasterIdLst>
-    <p:handoutMasterId r:id="rId13"/>
+    <p:handoutMasterId r:id="rId14"/>
   </p:handoutMasterIdLst>
   <p:sldIdLst>
     <p:sldId id="260" r:id="rId2"/>
     <p:sldId id="288" r:id="rId3"/>
     <p:sldId id="318" r:id="rId4"/>
     <p:sldId id="302" r:id="rId5"/>
-    <p:sldId id="327" r:id="rId6"/>
-    <p:sldId id="335" r:id="rId7"/>
-    <p:sldId id="319" r:id="rId8"/>
-    <p:sldId id="334" r:id="rId9"/>
-    <p:sldId id="336" r:id="rId10"/>
-    <p:sldId id="301" r:id="rId11"/>
+    <p:sldId id="337" r:id="rId6"/>
+    <p:sldId id="327" r:id="rId7"/>
+    <p:sldId id="335" r:id="rId8"/>
+    <p:sldId id="319" r:id="rId9"/>
+    <p:sldId id="334" r:id="rId10"/>
+    <p:sldId id="336" r:id="rId11"/>
+    <p:sldId id="301" r:id="rId12"/>
   </p:sldIdLst>
   <p:sldSz cx="9144000" cy="6858000" type="screen4x3"/>
   <p:notesSz cx="6858000" cy="9144000"/>
@@ -128,6 +129,7 @@
             <p14:sldId id="288"/>
             <p14:sldId id="318"/>
             <p14:sldId id="302"/>
+            <p14:sldId id="337"/>
             <p14:sldId id="327"/>
             <p14:sldId id="335"/>
             <p14:sldId id="319"/>
@@ -256,7 +258,7 @@
           <a:p>
             <a:fld id="{A553AA83-0331-A946-ADDB-F287CC1969EF}" type="datetimeFigureOut">
               <a:rPr lang="en-US" smtClean="0"/>
-              <a:t>4/21/23</a:t>
+              <a:t>4/28/23</a:t>
             </a:fld>
             <a:endParaRPr lang="en-US"/>
           </a:p>
@@ -421,7 +423,7 @@
           <a:p>
             <a:fld id="{ADBB2523-9D72-CB41-8D09-2C15EA0C0F3C}" type="datetimeFigureOut">
               <a:rPr lang="en-US" smtClean="0"/>
-              <a:t>4/21/23</a:t>
+              <a:t>4/28/23</a:t>
             </a:fld>
             <a:endParaRPr lang="en-US"/>
           </a:p>
@@ -936,7 +938,7 @@
           <a:p>
             <a:fld id="{7B79852F-C953-3445-B10C-3B6B94EB422C}" type="slidenum">
               <a:rPr lang="en-US" smtClean="0"/>
-              <a:t>7</a:t>
+              <a:t>8</a:t>
             </a:fld>
             <a:endParaRPr lang="en-US"/>
           </a:p>
@@ -1025,7 +1027,7 @@
           <a:p>
             <a:fld id="{7B79852F-C953-3445-B10C-3B6B94EB422C}" type="slidenum">
               <a:rPr lang="en-US" smtClean="0"/>
-              <a:t>8</a:t>
+              <a:t>9</a:t>
             </a:fld>
             <a:endParaRPr lang="en-US"/>
           </a:p>
@@ -1483,7 +1485,7 @@
             <a:fld id="{B86A9B72-EFE5-0C44-9856-127B83BB47D0}" type="datetimeFigureOut">
               <a:rPr lang="en-US" smtClean="0"/>
               <a:pPr/>
-              <a:t>4/21/23</a:t>
+              <a:t>4/28/23</a:t>
             </a:fld>
             <a:endParaRPr lang="en-US"/>
           </a:p>
@@ -1753,7 +1755,7 @@
             <a:fld id="{B86A9B72-EFE5-0C44-9856-127B83BB47D0}" type="datetimeFigureOut">
               <a:rPr lang="en-US" smtClean="0"/>
               <a:pPr/>
-              <a:t>4/21/23</a:t>
+              <a:t>4/28/23</a:t>
             </a:fld>
             <a:endParaRPr lang="en-US"/>
           </a:p>
@@ -1939,7 +1941,7 @@
             <a:fld id="{B86A9B72-EFE5-0C44-9856-127B83BB47D0}" type="datetimeFigureOut">
               <a:rPr lang="en-US" smtClean="0"/>
               <a:pPr/>
-              <a:t>4/21/23</a:t>
+              <a:t>4/28/23</a:t>
             </a:fld>
             <a:endParaRPr lang="en-US"/>
           </a:p>
@@ -2135,7 +2137,7 @@
             <a:fld id="{B86A9B72-EFE5-0C44-9856-127B83BB47D0}" type="datetimeFigureOut">
               <a:rPr lang="en-US" smtClean="0"/>
               <a:pPr/>
-              <a:t>4/21/23</a:t>
+              <a:t>4/28/23</a:t>
             </a:fld>
             <a:endParaRPr lang="en-US"/>
           </a:p>
@@ -2944,7 +2946,7 @@
             <a:fld id="{B86A9B72-EFE5-0C44-9856-127B83BB47D0}" type="datetimeFigureOut">
               <a:rPr lang="en-US" smtClean="0"/>
               <a:pPr/>
-              <a:t>4/21/23</a:t>
+              <a:t>4/28/23</a:t>
             </a:fld>
             <a:endParaRPr lang="en-US"/>
           </a:p>
@@ -3381,7 +3383,7 @@
             <a:fld id="{B86A9B72-EFE5-0C44-9856-127B83BB47D0}" type="datetimeFigureOut">
               <a:rPr lang="en-US" smtClean="0"/>
               <a:pPr/>
-              <a:t>4/21/23</a:t>
+              <a:t>4/28/23</a:t>
             </a:fld>
             <a:endParaRPr lang="en-US"/>
           </a:p>
@@ -3516,7 +3518,7 @@
             <a:fld id="{B86A9B72-EFE5-0C44-9856-127B83BB47D0}" type="datetimeFigureOut">
               <a:rPr lang="en-US" smtClean="0"/>
               <a:pPr/>
-              <a:t>4/21/23</a:t>
+              <a:t>4/28/23</a:t>
             </a:fld>
             <a:endParaRPr lang="en-US"/>
           </a:p>
@@ -3629,7 +3631,7 @@
             <a:fld id="{B86A9B72-EFE5-0C44-9856-127B83BB47D0}" type="datetimeFigureOut">
               <a:rPr lang="en-US" smtClean="0"/>
               <a:pPr/>
-              <a:t>4/21/23</a:t>
+              <a:t>4/28/23</a:t>
             </a:fld>
             <a:endParaRPr lang="en-US"/>
           </a:p>
@@ -4432,6 +4434,209 @@
         </p:nvSpPr>
         <p:spPr>
           <a:xfrm>
+            <a:off x="429870" y="306381"/>
+            <a:ext cx="8714130" cy="1143000"/>
+          </a:xfrm>
+          <a:prstGeom prst="rect">
+            <a:avLst/>
+          </a:prstGeom>
+        </p:spPr>
+        <p:txBody>
+          <a:bodyPr>
+            <a:noAutofit/>
+          </a:bodyPr>
+          <a:lstStyle>
+            <a:lvl1pPr algn="l" defTabSz="342991" rtl="0" eaLnBrk="1" latinLnBrk="0" hangingPunct="1">
+              <a:spcBef>
+                <a:spcPct val="0"/>
+              </a:spcBef>
+              <a:buNone/>
+              <a:defRPr sz="2701" b="1" i="0" kern="1200">
+                <a:solidFill>
+                  <a:srgbClr val="002D50"/>
+                </a:solidFill>
+                <a:latin typeface="Helvetica Neue"/>
+                <a:ea typeface="+mj-ea"/>
+                <a:cs typeface="Helvetica Neue"/>
+              </a:defRPr>
+            </a:lvl1pPr>
+          </a:lstStyle>
+          <a:p>
+            <a:r>
+              <a:rPr lang="en-US" sz="3200" dirty="0"/>
+              <a:t>How to get good at R </a:t>
+            </a:r>
+          </a:p>
+          <a:p>
+            <a:r>
+              <a:rPr lang="en-US" sz="3200" dirty="0"/>
+              <a:t>(or python, or SQL, </a:t>
+            </a:r>
+            <a:r>
+              <a:rPr lang="en-US" sz="3200" dirty="0" err="1"/>
+              <a:t>github</a:t>
+            </a:r>
+            <a:r>
+              <a:rPr lang="en-US" sz="3200" dirty="0"/>
+              <a:t>, or…)</a:t>
+            </a:r>
+          </a:p>
+        </p:txBody>
+      </p:sp>
+      <p:sp>
+        <p:nvSpPr>
+          <p:cNvPr id="3" name="TextBox 2">
+            <a:extLst>
+              <a:ext uri="{FF2B5EF4-FFF2-40B4-BE49-F238E27FC236}">
+                <a16:creationId xmlns:a16="http://schemas.microsoft.com/office/drawing/2014/main" id="{6FCDE2E2-BE58-98DF-E6DF-D5CDACFFECFD}"/>
+              </a:ext>
+            </a:extLst>
+          </p:cNvPr>
+          <p:cNvSpPr txBox="1"/>
+          <p:nvPr/>
+        </p:nvSpPr>
+        <p:spPr>
+          <a:xfrm>
+            <a:off x="429870" y="1616528"/>
+            <a:ext cx="8463407" cy="3693319"/>
+          </a:xfrm>
+          <a:prstGeom prst="rect">
+            <a:avLst/>
+          </a:prstGeom>
+          <a:noFill/>
+        </p:spPr>
+        <p:txBody>
+          <a:bodyPr wrap="none" rtlCol="0">
+            <a:spAutoFit/>
+          </a:bodyPr>
+          <a:lstStyle/>
+          <a:p>
+            <a:pPr marL="457200" indent="-457200">
+              <a:buFont typeface="Arial" panose="020B0604020202020204" pitchFamily="34" charset="0"/>
+              <a:buChar char="•"/>
+            </a:pPr>
+            <a:r>
+              <a:rPr lang="en-US" sz="2600" dirty="0"/>
+              <a:t>Use R, and use it often</a:t>
+            </a:r>
+          </a:p>
+          <a:p>
+            <a:pPr marL="914400" lvl="1" indent="-457200">
+              <a:buFont typeface="Arial" panose="020B0604020202020204" pitchFamily="34" charset="0"/>
+              <a:buChar char="•"/>
+            </a:pPr>
+            <a:r>
+              <a:rPr lang="en-US" sz="2600" dirty="0"/>
+              <a:t>Use R when you could use Excel, even if it takes longer</a:t>
+            </a:r>
+          </a:p>
+          <a:p>
+            <a:pPr marL="914400" lvl="1" indent="-457200">
+              <a:buFont typeface="Arial" panose="020B0604020202020204" pitchFamily="34" charset="0"/>
+              <a:buChar char="•"/>
+            </a:pPr>
+            <a:r>
+              <a:rPr lang="en-US" sz="2600" dirty="0"/>
+              <a:t>Consider a fun personal project</a:t>
+            </a:r>
+          </a:p>
+          <a:p>
+            <a:pPr marL="914400" lvl="1" indent="-457200">
+              <a:buFont typeface="Arial" panose="020B0604020202020204" pitchFamily="34" charset="0"/>
+              <a:buChar char="•"/>
+            </a:pPr>
+            <a:endParaRPr lang="en-US" sz="2600" dirty="0"/>
+          </a:p>
+          <a:p>
+            <a:pPr marL="457200" indent="-457200">
+              <a:buFont typeface="Arial" panose="020B0604020202020204" pitchFamily="34" charset="0"/>
+              <a:buChar char="•"/>
+            </a:pPr>
+            <a:r>
+              <a:rPr lang="en-US" sz="2600" dirty="0"/>
+              <a:t>Follow others on </a:t>
+            </a:r>
+            <a:r>
+              <a:rPr lang="en-US" sz="2600" dirty="0" err="1"/>
+              <a:t>github</a:t>
+            </a:r>
+            <a:r>
+              <a:rPr lang="en-US" sz="2600" dirty="0"/>
+              <a:t> and check out what they’re doing</a:t>
+            </a:r>
+          </a:p>
+          <a:p>
+            <a:pPr marL="457200" indent="-457200">
+              <a:buFont typeface="Arial" panose="020B0604020202020204" pitchFamily="34" charset="0"/>
+              <a:buChar char="•"/>
+            </a:pPr>
+            <a:endParaRPr lang="en-US" sz="2600" dirty="0"/>
+          </a:p>
+          <a:p>
+            <a:pPr marL="457200" indent="-457200">
+              <a:buFont typeface="Arial" panose="020B0604020202020204" pitchFamily="34" charset="0"/>
+              <a:buChar char="•"/>
+            </a:pPr>
+            <a:endParaRPr lang="en-US" sz="2600" dirty="0"/>
+          </a:p>
+          <a:p>
+            <a:endParaRPr lang="en-US" sz="2600" dirty="0"/>
+          </a:p>
+          <a:p>
+            <a:pPr marL="914400" lvl="1" indent="-457200">
+              <a:buFont typeface="Arial" panose="020B0604020202020204" pitchFamily="34" charset="0"/>
+              <a:buChar char="•"/>
+            </a:pPr>
+            <a:endParaRPr lang="en-US" sz="2600" dirty="0"/>
+          </a:p>
+        </p:txBody>
+      </p:sp>
+    </p:spTree>
+    <p:extLst>
+      <p:ext uri="{BB962C8B-B14F-4D97-AF65-F5344CB8AC3E}">
+        <p14:creationId xmlns:p14="http://schemas.microsoft.com/office/powerpoint/2010/main" val="3555015706"/>
+      </p:ext>
+    </p:extLst>
+  </p:cSld>
+  <p:clrMapOvr>
+    <a:masterClrMapping/>
+  </p:clrMapOvr>
+</p:sld>
+</file>
+
+<file path=ppt/slides/slide11.xml><?xml version="1.0" encoding="utf-8"?>
+<p:sld xmlns:a="http://schemas.openxmlformats.org/drawingml/2006/main" xmlns:r="http://schemas.openxmlformats.org/officeDocument/2006/relationships" xmlns:p="http://schemas.openxmlformats.org/presentationml/2006/main">
+  <p:cSld>
+    <p:spTree>
+      <p:nvGrpSpPr>
+        <p:cNvPr id="1" name=""/>
+        <p:cNvGrpSpPr/>
+        <p:nvPr/>
+      </p:nvGrpSpPr>
+      <p:grpSpPr>
+        <a:xfrm>
+          <a:off x="0" y="0"/>
+          <a:ext cx="0" cy="0"/>
+          <a:chOff x="0" y="0"/>
+          <a:chExt cx="0" cy="0"/>
+        </a:xfrm>
+      </p:grpSpPr>
+      <p:sp>
+        <p:nvSpPr>
+          <p:cNvPr id="2" name="Title 2">
+            <a:extLst>
+              <a:ext uri="{FF2B5EF4-FFF2-40B4-BE49-F238E27FC236}">
+                <a16:creationId xmlns:a16="http://schemas.microsoft.com/office/drawing/2014/main" id="{12BEE06C-3CB4-1A31-1F99-81886307D619}"/>
+              </a:ext>
+            </a:extLst>
+          </p:cNvPr>
+          <p:cNvSpPr txBox="1">
+            <a:spLocks/>
+          </p:cNvSpPr>
+          <p:nvPr/>
+        </p:nvSpPr>
+        <p:spPr>
+          <a:xfrm>
             <a:off x="429870" y="306380"/>
             <a:ext cx="7914030" cy="1587733"/>
           </a:xfrm>
@@ -4909,62 +5114,75 @@
           <a:chExt cx="0" cy="0"/>
         </a:xfrm>
       </p:grpSpPr>
-      <p:sp>
-        <p:nvSpPr>
-          <p:cNvPr id="2" name="Title 2">
+      <p:pic>
+        <p:nvPicPr>
+          <p:cNvPr id="3" name="Picture 2">
             <a:extLst>
               <a:ext uri="{FF2B5EF4-FFF2-40B4-BE49-F238E27FC236}">
-                <a16:creationId xmlns:a16="http://schemas.microsoft.com/office/drawing/2014/main" id="{12BEE06C-3CB4-1A31-1F99-81886307D619}"/>
+                <a16:creationId xmlns:a16="http://schemas.microsoft.com/office/drawing/2014/main" id="{C9FC9E73-9A57-2845-84EF-89F7ECD5ADEA}"/>
               </a:ext>
             </a:extLst>
           </p:cNvPr>
-          <p:cNvSpPr txBox="1">
-            <a:spLocks/>
-          </p:cNvSpPr>
+          <p:cNvPicPr>
+            <a:picLocks noChangeAspect="1"/>
+          </p:cNvPicPr>
           <p:nvPr/>
-        </p:nvSpPr>
-        <p:spPr>
-          <a:xfrm>
-            <a:off x="429870" y="306381"/>
-            <a:ext cx="6598728" cy="1143000"/>
+        </p:nvPicPr>
+        <p:blipFill>
+          <a:blip r:embed="rId2"/>
+          <a:stretch>
+            <a:fillRect/>
+          </a:stretch>
+        </p:blipFill>
+        <p:spPr>
+          <a:xfrm>
+            <a:off x="2557576" y="440871"/>
+            <a:ext cx="4028848" cy="5274128"/>
           </a:xfrm>
           <a:prstGeom prst="rect">
             <a:avLst/>
           </a:prstGeom>
         </p:spPr>
-        <p:txBody>
-          <a:bodyPr>
-            <a:noAutofit/>
+      </p:pic>
+      <p:sp>
+        <p:nvSpPr>
+          <p:cNvPr id="4" name="TextBox 3">
+            <a:extLst>
+              <a:ext uri="{FF2B5EF4-FFF2-40B4-BE49-F238E27FC236}">
+                <a16:creationId xmlns:a16="http://schemas.microsoft.com/office/drawing/2014/main" id="{B560835F-F5E3-4BD0-F59B-ACB82DD8FED4}"/>
+              </a:ext>
+            </a:extLst>
+          </p:cNvPr>
+          <p:cNvSpPr txBox="1"/>
+          <p:nvPr/>
+        </p:nvSpPr>
+        <p:spPr>
+          <a:xfrm>
+            <a:off x="293914" y="5530333"/>
+            <a:ext cx="1285608" cy="369332"/>
+          </a:xfrm>
+          <a:prstGeom prst="rect">
+            <a:avLst/>
+          </a:prstGeom>
+          <a:noFill/>
+        </p:spPr>
+        <p:txBody>
+          <a:bodyPr wrap="none" rtlCol="0">
+            <a:spAutoFit/>
           </a:bodyPr>
-          <a:lstStyle>
-            <a:lvl1pPr algn="l" defTabSz="342991" rtl="0" eaLnBrk="1" latinLnBrk="0" hangingPunct="1">
-              <a:spcBef>
-                <a:spcPct val="0"/>
-              </a:spcBef>
-              <a:buNone/>
-              <a:defRPr sz="2701" b="1" i="0" kern="1200">
-                <a:solidFill>
-                  <a:srgbClr val="002D50"/>
-                </a:solidFill>
-                <a:latin typeface="Helvetica Neue"/>
-                <a:ea typeface="+mj-ea"/>
-                <a:cs typeface="Helvetica Neue"/>
-              </a:defRPr>
-            </a:lvl1pPr>
-          </a:lstStyle>
-          <a:p>
-            <a:r>
-              <a:rPr lang="en-US" sz="3200" dirty="0" err="1"/>
-              <a:t>Github</a:t>
-            </a:r>
-            <a:endParaRPr lang="en-US" sz="3200" dirty="0"/>
+          <a:lstStyle/>
+          <a:p>
+            <a:r>
+              <a:rPr lang="en-US" dirty="0"/>
+              <a:t>PHD comics</a:t>
+            </a:r>
           </a:p>
         </p:txBody>
       </p:sp>
     </p:spTree>
     <p:extLst>
       <p:ext uri="{BB962C8B-B14F-4D97-AF65-F5344CB8AC3E}">
-        <p14:creationId xmlns:p14="http://schemas.microsoft.com/office/powerpoint/2010/main" val="3589557503"/>
+        <p14:creationId xmlns:p14="http://schemas.microsoft.com/office/powerpoint/2010/main" val="1394789728"/>
       </p:ext>
     </p:extLst>
   </p:cSld>
@@ -5036,24 +5254,17 @@
           </a:lstStyle>
           <a:p>
             <a:r>
-              <a:rPr lang="en-US" sz="3200" dirty="0"/>
-              <a:t>Creating a </a:t>
-            </a:r>
-            <a:r>
               <a:rPr lang="en-US" sz="3200" dirty="0" err="1"/>
-              <a:t>github</a:t>
-            </a:r>
-            <a:r>
-              <a:rPr lang="en-US" sz="3200" dirty="0"/>
-              <a:t> account</a:t>
-            </a:r>
+              <a:t>Github</a:t>
+            </a:r>
+            <a:endParaRPr lang="en-US" sz="3200" dirty="0"/>
           </a:p>
         </p:txBody>
       </p:sp>
     </p:spTree>
     <p:extLst>
       <p:ext uri="{BB962C8B-B14F-4D97-AF65-F5344CB8AC3E}">
-        <p14:creationId xmlns:p14="http://schemas.microsoft.com/office/powerpoint/2010/main" val="3266688494"/>
+        <p14:creationId xmlns:p14="http://schemas.microsoft.com/office/powerpoint/2010/main" val="3589557503"/>
       </p:ext>
     </p:extLst>
   </p:cSld>
@@ -5082,48 +5293,13 @@
       </p:grpSpPr>
       <p:sp>
         <p:nvSpPr>
-          <p:cNvPr id="10" name="Rectangle 9"/>
-          <p:cNvSpPr/>
-          <p:nvPr/>
-        </p:nvSpPr>
-        <p:spPr>
-          <a:xfrm>
-            <a:off x="-1" y="1330504"/>
-            <a:ext cx="9144001" cy="5527496"/>
-          </a:xfrm>
-          <a:prstGeom prst="rect">
-            <a:avLst/>
-          </a:prstGeom>
-          <a:solidFill>
-            <a:srgbClr val="041E42"/>
-          </a:solidFill>
-        </p:spPr>
-        <p:style>
-          <a:lnRef idx="1">
-            <a:schemeClr val="accent1"/>
-          </a:lnRef>
-          <a:fillRef idx="3">
-            <a:schemeClr val="accent1"/>
-          </a:fillRef>
-          <a:effectRef idx="2">
-            <a:schemeClr val="accent1"/>
-          </a:effectRef>
-          <a:fontRef idx="minor">
-            <a:schemeClr val="lt1"/>
-          </a:fontRef>
-        </p:style>
-        <p:txBody>
-          <a:bodyPr rtlCol="0" anchor="ctr"/>
-          <a:lstStyle/>
-          <a:p>
-            <a:pPr algn="ctr"/>
-            <a:endParaRPr lang="en-US" sz="1350" dirty="0"/>
-          </a:p>
-        </p:txBody>
-      </p:sp>
-      <p:sp>
-        <p:nvSpPr>
-          <p:cNvPr id="8" name="Title 5"/>
+          <p:cNvPr id="2" name="Title 2">
+            <a:extLst>
+              <a:ext uri="{FF2B5EF4-FFF2-40B4-BE49-F238E27FC236}">
+                <a16:creationId xmlns:a16="http://schemas.microsoft.com/office/drawing/2014/main" id="{12BEE06C-3CB4-1A31-1F99-81886307D619}"/>
+              </a:ext>
+            </a:extLst>
+          </p:cNvPr>
           <p:cNvSpPr txBox="1">
             <a:spLocks/>
           </p:cNvSpPr>
@@ -5131,8 +5307,8 @@
         </p:nvSpPr>
         <p:spPr>
           <a:xfrm>
-            <a:off x="383218" y="1477992"/>
-            <a:ext cx="7954732" cy="815898"/>
+            <a:off x="429870" y="306381"/>
+            <a:ext cx="6598728" cy="1143000"/>
           </a:xfrm>
           <a:prstGeom prst="rect">
             <a:avLst/>
@@ -5143,63 +5319,41 @@
             <a:noAutofit/>
           </a:bodyPr>
           <a:lstStyle>
-            <a:lvl1pPr algn="ctr" defTabSz="457200" rtl="0" eaLnBrk="1" latinLnBrk="0" hangingPunct="1">
+            <a:lvl1pPr algn="l" defTabSz="342991" rtl="0" eaLnBrk="1" latinLnBrk="0" hangingPunct="1">
               <a:spcBef>
                 <a:spcPct val="0"/>
               </a:spcBef>
               <a:buNone/>
-              <a:defRPr sz="4200" b="0" i="1" kern="1200">
+              <a:defRPr sz="2701" b="1" i="0" kern="1200">
                 <a:solidFill>
                   <a:srgbClr val="002D50"/>
                 </a:solidFill>
-                <a:latin typeface="Adobe Caslon Pro"/>
+                <a:latin typeface="Helvetica Neue"/>
                 <a:ea typeface="+mj-ea"/>
-                <a:cs typeface="Adobe Caslon Pro"/>
+                <a:cs typeface="Helvetica Neue"/>
               </a:defRPr>
             </a:lvl1pPr>
           </a:lstStyle>
           <a:p>
-            <a:pPr algn="l"/>
-            <a:r>
-              <a:rPr lang="en-US" sz="4051" dirty="0">
-                <a:solidFill>
-                  <a:schemeClr val="bg1"/>
-                </a:solidFill>
-                <a:latin typeface="Helvetica Neue"/>
-                <a:cs typeface="Helvetica Neue"/>
-              </a:rPr>
-              <a:t>Research and open-source projects in R</a:t>
-            </a:r>
-          </a:p>
-        </p:txBody>
-      </p:sp>
-      <p:pic>
-        <p:nvPicPr>
-          <p:cNvPr id="12" name="Picture 11"/>
-          <p:cNvPicPr>
-            <a:picLocks noChangeAspect="1"/>
-          </p:cNvPicPr>
-          <p:nvPr/>
-        </p:nvPicPr>
-        <p:blipFill>
-          <a:blip r:embed="rId3"/>
-          <a:srcRect/>
-          <a:stretch/>
-        </p:blipFill>
-        <p:spPr>
-          <a:xfrm>
-            <a:off x="263465" y="398530"/>
-            <a:ext cx="5120827" cy="556906"/>
-          </a:xfrm>
-          <a:prstGeom prst="rect">
-            <a:avLst/>
-          </a:prstGeom>
-        </p:spPr>
-      </p:pic>
+            <a:r>
+              <a:rPr lang="en-US" sz="3200" dirty="0"/>
+              <a:t>Creating a </a:t>
+            </a:r>
+            <a:r>
+              <a:rPr lang="en-US" sz="3200" dirty="0" err="1"/>
+              <a:t>github</a:t>
+            </a:r>
+            <a:r>
+              <a:rPr lang="en-US" sz="3200" dirty="0"/>
+              <a:t> account</a:t>
+            </a:r>
+          </a:p>
+        </p:txBody>
+      </p:sp>
     </p:spTree>
     <p:extLst>
       <p:ext uri="{BB962C8B-B14F-4D97-AF65-F5344CB8AC3E}">
-        <p14:creationId xmlns:p14="http://schemas.microsoft.com/office/powerpoint/2010/main" val="4047090485"/>
+        <p14:creationId xmlns:p14="http://schemas.microsoft.com/office/powerpoint/2010/main" val="3266688494"/>
       </p:ext>
     </p:extLst>
   </p:cSld>
@@ -5314,7 +5468,7 @@
                 <a:latin typeface="Helvetica Neue"/>
                 <a:cs typeface="Helvetica Neue"/>
               </a:rPr>
-              <a:t>Where to learn more</a:t>
+              <a:t>Research and open-source projects in R</a:t>
             </a:r>
           </a:p>
         </p:txBody>
@@ -5345,7 +5499,7 @@
     </p:spTree>
     <p:extLst>
       <p:ext uri="{BB962C8B-B14F-4D97-AF65-F5344CB8AC3E}">
-        <p14:creationId xmlns:p14="http://schemas.microsoft.com/office/powerpoint/2010/main" val="711495662"/>
+        <p14:creationId xmlns:p14="http://schemas.microsoft.com/office/powerpoint/2010/main" val="4047090485"/>
       </p:ext>
     </p:extLst>
   </p:cSld>
@@ -5374,13 +5528,48 @@
       </p:grpSpPr>
       <p:sp>
         <p:nvSpPr>
-          <p:cNvPr id="2" name="Title 2">
-            <a:extLst>
-              <a:ext uri="{FF2B5EF4-FFF2-40B4-BE49-F238E27FC236}">
-                <a16:creationId xmlns:a16="http://schemas.microsoft.com/office/drawing/2014/main" id="{12BEE06C-3CB4-1A31-1F99-81886307D619}"/>
-              </a:ext>
-            </a:extLst>
-          </p:cNvPr>
+          <p:cNvPr id="10" name="Rectangle 9"/>
+          <p:cNvSpPr/>
+          <p:nvPr/>
+        </p:nvSpPr>
+        <p:spPr>
+          <a:xfrm>
+            <a:off x="-1" y="1330504"/>
+            <a:ext cx="9144001" cy="5527496"/>
+          </a:xfrm>
+          <a:prstGeom prst="rect">
+            <a:avLst/>
+          </a:prstGeom>
+          <a:solidFill>
+            <a:srgbClr val="041E42"/>
+          </a:solidFill>
+        </p:spPr>
+        <p:style>
+          <a:lnRef idx="1">
+            <a:schemeClr val="accent1"/>
+          </a:lnRef>
+          <a:fillRef idx="3">
+            <a:schemeClr val="accent1"/>
+          </a:fillRef>
+          <a:effectRef idx="2">
+            <a:schemeClr val="accent1"/>
+          </a:effectRef>
+          <a:fontRef idx="minor">
+            <a:schemeClr val="lt1"/>
+          </a:fontRef>
+        </p:style>
+        <p:txBody>
+          <a:bodyPr rtlCol="0" anchor="ctr"/>
+          <a:lstStyle/>
+          <a:p>
+            <a:pPr algn="ctr"/>
+            <a:endParaRPr lang="en-US" sz="1350" dirty="0"/>
+          </a:p>
+        </p:txBody>
+      </p:sp>
+      <p:sp>
+        <p:nvSpPr>
+          <p:cNvPr id="8" name="Title 5"/>
           <p:cNvSpPr txBox="1">
             <a:spLocks/>
           </p:cNvSpPr>
@@ -5388,8 +5577,8 @@
         </p:nvSpPr>
         <p:spPr>
           <a:xfrm>
-            <a:off x="429870" y="306381"/>
-            <a:ext cx="8714130" cy="1143000"/>
+            <a:off x="383218" y="1477992"/>
+            <a:ext cx="7954732" cy="815898"/>
           </a:xfrm>
           <a:prstGeom prst="rect">
             <a:avLst/>
@@ -5400,155 +5589,63 @@
             <a:noAutofit/>
           </a:bodyPr>
           <a:lstStyle>
-            <a:lvl1pPr algn="l" defTabSz="342991" rtl="0" eaLnBrk="1" latinLnBrk="0" hangingPunct="1">
+            <a:lvl1pPr algn="ctr" defTabSz="457200" rtl="0" eaLnBrk="1" latinLnBrk="0" hangingPunct="1">
               <a:spcBef>
                 <a:spcPct val="0"/>
               </a:spcBef>
               <a:buNone/>
-              <a:defRPr sz="2701" b="1" i="0" kern="1200">
+              <a:defRPr sz="4200" b="0" i="1" kern="1200">
                 <a:solidFill>
                   <a:srgbClr val="002D50"/>
                 </a:solidFill>
-                <a:latin typeface="Helvetica Neue"/>
+                <a:latin typeface="Adobe Caslon Pro"/>
                 <a:ea typeface="+mj-ea"/>
-                <a:cs typeface="Helvetica Neue"/>
+                <a:cs typeface="Adobe Caslon Pro"/>
               </a:defRPr>
             </a:lvl1pPr>
           </a:lstStyle>
           <a:p>
-            <a:r>
-              <a:rPr lang="en-US" sz="3200" dirty="0"/>
-              <a:t>How to get good at R </a:t>
-            </a:r>
-          </a:p>
-          <a:p>
-            <a:r>
-              <a:rPr lang="en-US" sz="3200" dirty="0"/>
-              <a:t>(or python, or SQL, </a:t>
-            </a:r>
-            <a:r>
-              <a:rPr lang="en-US" sz="3200" dirty="0" err="1"/>
-              <a:t>github</a:t>
-            </a:r>
-            <a:r>
-              <a:rPr lang="en-US" sz="3200" dirty="0"/>
-              <a:t>, or…)</a:t>
-            </a:r>
-          </a:p>
-        </p:txBody>
-      </p:sp>
-      <p:sp>
-        <p:nvSpPr>
-          <p:cNvPr id="3" name="TextBox 2">
-            <a:extLst>
-              <a:ext uri="{FF2B5EF4-FFF2-40B4-BE49-F238E27FC236}">
-                <a16:creationId xmlns:a16="http://schemas.microsoft.com/office/drawing/2014/main" id="{6FCDE2E2-BE58-98DF-E6DF-D5CDACFFECFD}"/>
-              </a:ext>
-            </a:extLst>
-          </p:cNvPr>
-          <p:cNvSpPr txBox="1"/>
+            <a:pPr algn="l"/>
+            <a:r>
+              <a:rPr lang="en-US" sz="4051" dirty="0">
+                <a:solidFill>
+                  <a:schemeClr val="bg1"/>
+                </a:solidFill>
+                <a:latin typeface="Helvetica Neue"/>
+                <a:cs typeface="Helvetica Neue"/>
+              </a:rPr>
+              <a:t>Where to learn more</a:t>
+            </a:r>
+          </a:p>
+        </p:txBody>
+      </p:sp>
+      <p:pic>
+        <p:nvPicPr>
+          <p:cNvPr id="12" name="Picture 11"/>
+          <p:cNvPicPr>
+            <a:picLocks noChangeAspect="1"/>
+          </p:cNvPicPr>
           <p:nvPr/>
-        </p:nvSpPr>
-        <p:spPr>
-          <a:xfrm>
-            <a:off x="429870" y="1616528"/>
-            <a:ext cx="8463407" cy="3693319"/>
+        </p:nvPicPr>
+        <p:blipFill>
+          <a:blip r:embed="rId3"/>
+          <a:srcRect/>
+          <a:stretch/>
+        </p:blipFill>
+        <p:spPr>
+          <a:xfrm>
+            <a:off x="263465" y="398530"/>
+            <a:ext cx="5120827" cy="556906"/>
           </a:xfrm>
           <a:prstGeom prst="rect">
             <a:avLst/>
           </a:prstGeom>
-          <a:noFill/>
-        </p:spPr>
-        <p:txBody>
-          <a:bodyPr wrap="none" rtlCol="0">
-            <a:spAutoFit/>
-          </a:bodyPr>
-          <a:lstStyle/>
-          <a:p>
-            <a:pPr marL="457200" indent="-457200">
-              <a:buFont typeface="Arial" panose="020B0604020202020204" pitchFamily="34" charset="0"/>
-              <a:buChar char="•"/>
-            </a:pPr>
-            <a:r>
-              <a:rPr lang="en-US" sz="2600" dirty="0"/>
-              <a:t>Use R, and use it often</a:t>
-            </a:r>
-          </a:p>
-          <a:p>
-            <a:pPr marL="914400" lvl="1" indent="-457200">
-              <a:buFont typeface="Arial" panose="020B0604020202020204" pitchFamily="34" charset="0"/>
-              <a:buChar char="•"/>
-            </a:pPr>
-            <a:r>
-              <a:rPr lang="en-US" sz="2600" dirty="0"/>
-              <a:t>Use R when you could use Excel, even if it takes longer</a:t>
-            </a:r>
-          </a:p>
-          <a:p>
-            <a:pPr marL="914400" lvl="1" indent="-457200">
-              <a:buFont typeface="Arial" panose="020B0604020202020204" pitchFamily="34" charset="0"/>
-              <a:buChar char="•"/>
-            </a:pPr>
-            <a:r>
-              <a:rPr lang="en-US" sz="2600" dirty="0"/>
-              <a:t>Consider a fun personal project</a:t>
-            </a:r>
-          </a:p>
-          <a:p>
-            <a:pPr marL="914400" lvl="1" indent="-457200">
-              <a:buFont typeface="Arial" panose="020B0604020202020204" pitchFamily="34" charset="0"/>
-              <a:buChar char="•"/>
-            </a:pPr>
-            <a:endParaRPr lang="en-US" sz="2600" dirty="0"/>
-          </a:p>
-          <a:p>
-            <a:pPr marL="457200" indent="-457200">
-              <a:buFont typeface="Arial" panose="020B0604020202020204" pitchFamily="34" charset="0"/>
-              <a:buChar char="•"/>
-            </a:pPr>
-            <a:r>
-              <a:rPr lang="en-US" sz="2600" dirty="0"/>
-              <a:t>Follow others on </a:t>
-            </a:r>
-            <a:r>
-              <a:rPr lang="en-US" sz="2600" dirty="0" err="1"/>
-              <a:t>github</a:t>
-            </a:r>
-            <a:r>
-              <a:rPr lang="en-US" sz="2600" dirty="0"/>
-              <a:t> and check out what they’re doing</a:t>
-            </a:r>
-          </a:p>
-          <a:p>
-            <a:pPr marL="457200" indent="-457200">
-              <a:buFont typeface="Arial" panose="020B0604020202020204" pitchFamily="34" charset="0"/>
-              <a:buChar char="•"/>
-            </a:pPr>
-            <a:endParaRPr lang="en-US" sz="2600" dirty="0"/>
-          </a:p>
-          <a:p>
-            <a:pPr marL="457200" indent="-457200">
-              <a:buFont typeface="Arial" panose="020B0604020202020204" pitchFamily="34" charset="0"/>
-              <a:buChar char="•"/>
-            </a:pPr>
-            <a:endParaRPr lang="en-US" sz="2600" dirty="0"/>
-          </a:p>
-          <a:p>
-            <a:endParaRPr lang="en-US" sz="2600" dirty="0"/>
-          </a:p>
-          <a:p>
-            <a:pPr marL="914400" lvl="1" indent="-457200">
-              <a:buFont typeface="Arial" panose="020B0604020202020204" pitchFamily="34" charset="0"/>
-              <a:buChar char="•"/>
-            </a:pPr>
-            <a:endParaRPr lang="en-US" sz="2600" dirty="0"/>
-          </a:p>
-        </p:txBody>
-      </p:sp>
+        </p:spPr>
+      </p:pic>
     </p:spTree>
     <p:extLst>
       <p:ext uri="{BB962C8B-B14F-4D97-AF65-F5344CB8AC3E}">
-        <p14:creationId xmlns:p14="http://schemas.microsoft.com/office/powerpoint/2010/main" val="3555015706"/>
+        <p14:creationId xmlns:p14="http://schemas.microsoft.com/office/powerpoint/2010/main" val="711495662"/>
       </p:ext>
     </p:extLst>
   </p:cSld>

--- a/day4/R Workshop Day 4 Slides.pptx
+++ b/day4/R Workshop Day 4 Slides.pptx
@@ -5,23 +5,22 @@
     <p:sldMasterId id="2147483648" r:id="rId1"/>
   </p:sldMasterIdLst>
   <p:notesMasterIdLst>
-    <p:notesMasterId r:id="rId13"/>
+    <p:notesMasterId r:id="rId12"/>
   </p:notesMasterIdLst>
   <p:handoutMasterIdLst>
-    <p:handoutMasterId r:id="rId14"/>
+    <p:handoutMasterId r:id="rId13"/>
   </p:handoutMasterIdLst>
   <p:sldIdLst>
     <p:sldId id="260" r:id="rId2"/>
     <p:sldId id="288" r:id="rId3"/>
     <p:sldId id="318" r:id="rId4"/>
-    <p:sldId id="302" r:id="rId5"/>
-    <p:sldId id="337" r:id="rId6"/>
-    <p:sldId id="327" r:id="rId7"/>
-    <p:sldId id="335" r:id="rId8"/>
-    <p:sldId id="319" r:id="rId9"/>
-    <p:sldId id="334" r:id="rId10"/>
-    <p:sldId id="336" r:id="rId11"/>
-    <p:sldId id="301" r:id="rId12"/>
+    <p:sldId id="337" r:id="rId5"/>
+    <p:sldId id="302" r:id="rId6"/>
+    <p:sldId id="338" r:id="rId7"/>
+    <p:sldId id="319" r:id="rId8"/>
+    <p:sldId id="334" r:id="rId9"/>
+    <p:sldId id="336" r:id="rId10"/>
+    <p:sldId id="301" r:id="rId11"/>
   </p:sldIdLst>
   <p:sldSz cx="9144000" cy="6858000" type="screen4x3"/>
   <p:notesSz cx="6858000" cy="9144000"/>
@@ -128,10 +127,9 @@
             <p14:sldId id="260"/>
             <p14:sldId id="288"/>
             <p14:sldId id="318"/>
+            <p14:sldId id="337"/>
             <p14:sldId id="302"/>
-            <p14:sldId id="337"/>
-            <p14:sldId id="327"/>
-            <p14:sldId id="335"/>
+            <p14:sldId id="338"/>
             <p14:sldId id="319"/>
             <p14:sldId id="334"/>
             <p14:sldId id="336"/>
@@ -258,7 +256,7 @@
           <a:p>
             <a:fld id="{A553AA83-0331-A946-ADDB-F287CC1969EF}" type="datetimeFigureOut">
               <a:rPr lang="en-US" smtClean="0"/>
-              <a:t>4/28/23</a:t>
+              <a:t>6/2/23</a:t>
             </a:fld>
             <a:endParaRPr lang="en-US"/>
           </a:p>
@@ -423,7 +421,7 @@
           <a:p>
             <a:fld id="{ADBB2523-9D72-CB41-8D09-2C15EA0C0F3C}" type="datetimeFigureOut">
               <a:rPr lang="en-US" smtClean="0"/>
-              <a:t>4/28/23</a:t>
+              <a:t>6/2/23</a:t>
             </a:fld>
             <a:endParaRPr lang="en-US"/>
           </a:p>
@@ -938,7 +936,7 @@
           <a:p>
             <a:fld id="{7B79852F-C953-3445-B10C-3B6B94EB422C}" type="slidenum">
               <a:rPr lang="en-US" smtClean="0"/>
-              <a:t>8</a:t>
+              <a:t>6</a:t>
             </a:fld>
             <a:endParaRPr lang="en-US"/>
           </a:p>
@@ -947,7 +945,7 @@
     </p:spTree>
     <p:extLst>
       <p:ext uri="{BB962C8B-B14F-4D97-AF65-F5344CB8AC3E}">
-        <p14:creationId xmlns:p14="http://schemas.microsoft.com/office/powerpoint/2010/main" val="843163510"/>
+        <p14:creationId xmlns:p14="http://schemas.microsoft.com/office/powerpoint/2010/main" val="2283104663"/>
       </p:ext>
     </p:extLst>
   </p:cSld>
@@ -1027,7 +1025,96 @@
           <a:p>
             <a:fld id="{7B79852F-C953-3445-B10C-3B6B94EB422C}" type="slidenum">
               <a:rPr lang="en-US" smtClean="0"/>
-              <a:t>9</a:t>
+              <a:t>7</a:t>
+            </a:fld>
+            <a:endParaRPr lang="en-US"/>
+          </a:p>
+        </p:txBody>
+      </p:sp>
+    </p:spTree>
+    <p:extLst>
+      <p:ext uri="{BB962C8B-B14F-4D97-AF65-F5344CB8AC3E}">
+        <p14:creationId xmlns:p14="http://schemas.microsoft.com/office/powerpoint/2010/main" val="843163510"/>
+      </p:ext>
+    </p:extLst>
+  </p:cSld>
+  <p:clrMapOvr>
+    <a:masterClrMapping/>
+  </p:clrMapOvr>
+</p:notes>
+</file>
+
+<file path=ppt/notesSlides/notesSlide5.xml><?xml version="1.0" encoding="utf-8"?>
+<p:notes xmlns:a="http://schemas.openxmlformats.org/drawingml/2006/main" xmlns:r="http://schemas.openxmlformats.org/officeDocument/2006/relationships" xmlns:p="http://schemas.openxmlformats.org/presentationml/2006/main">
+  <p:cSld>
+    <p:spTree>
+      <p:nvGrpSpPr>
+        <p:cNvPr id="1" name=""/>
+        <p:cNvGrpSpPr/>
+        <p:nvPr/>
+      </p:nvGrpSpPr>
+      <p:grpSpPr>
+        <a:xfrm>
+          <a:off x="0" y="0"/>
+          <a:ext cx="0" cy="0"/>
+          <a:chOff x="0" y="0"/>
+          <a:chExt cx="0" cy="0"/>
+        </a:xfrm>
+      </p:grpSpPr>
+      <p:sp>
+        <p:nvSpPr>
+          <p:cNvPr id="2" name="Slide Image Placeholder 1"/>
+          <p:cNvSpPr>
+            <a:spLocks noGrp="1" noRot="1" noChangeAspect="1"/>
+          </p:cNvSpPr>
+          <p:nvPr>
+            <p:ph type="sldImg"/>
+          </p:nvPr>
+        </p:nvSpPr>
+        <p:spPr>
+          <a:xfrm>
+            <a:off x="1143000" y="685800"/>
+            <a:ext cx="4572000" cy="3429000"/>
+          </a:xfrm>
+        </p:spPr>
+      </p:sp>
+      <p:sp>
+        <p:nvSpPr>
+          <p:cNvPr id="3" name="Notes Placeholder 2"/>
+          <p:cNvSpPr>
+            <a:spLocks noGrp="1"/>
+          </p:cNvSpPr>
+          <p:nvPr>
+            <p:ph type="body" idx="1"/>
+          </p:nvPr>
+        </p:nvSpPr>
+        <p:spPr/>
+        <p:txBody>
+          <a:bodyPr/>
+          <a:lstStyle/>
+          <a:p>
+            <a:endParaRPr lang="en-US" dirty="0"/>
+          </a:p>
+        </p:txBody>
+      </p:sp>
+      <p:sp>
+        <p:nvSpPr>
+          <p:cNvPr id="4" name="Slide Number Placeholder 3"/>
+          <p:cNvSpPr>
+            <a:spLocks noGrp="1"/>
+          </p:cNvSpPr>
+          <p:nvPr>
+            <p:ph type="sldNum" sz="quarter" idx="10"/>
+          </p:nvPr>
+        </p:nvSpPr>
+        <p:spPr/>
+        <p:txBody>
+          <a:bodyPr/>
+          <a:lstStyle/>
+          <a:p>
+            <a:fld id="{7B79852F-C953-3445-B10C-3B6B94EB422C}" type="slidenum">
+              <a:rPr lang="en-US" smtClean="0"/>
+              <a:t>8</a:t>
             </a:fld>
             <a:endParaRPr lang="en-US"/>
           </a:p>
@@ -1485,7 +1572,7 @@
             <a:fld id="{B86A9B72-EFE5-0C44-9856-127B83BB47D0}" type="datetimeFigureOut">
               <a:rPr lang="en-US" smtClean="0"/>
               <a:pPr/>
-              <a:t>4/28/23</a:t>
+              <a:t>6/2/23</a:t>
             </a:fld>
             <a:endParaRPr lang="en-US"/>
           </a:p>
@@ -1755,7 +1842,7 @@
             <a:fld id="{B86A9B72-EFE5-0C44-9856-127B83BB47D0}" type="datetimeFigureOut">
               <a:rPr lang="en-US" smtClean="0"/>
               <a:pPr/>
-              <a:t>4/28/23</a:t>
+              <a:t>6/2/23</a:t>
             </a:fld>
             <a:endParaRPr lang="en-US"/>
           </a:p>
@@ -1941,7 +2028,7 @@
             <a:fld id="{B86A9B72-EFE5-0C44-9856-127B83BB47D0}" type="datetimeFigureOut">
               <a:rPr lang="en-US" smtClean="0"/>
               <a:pPr/>
-              <a:t>4/28/23</a:t>
+              <a:t>6/2/23</a:t>
             </a:fld>
             <a:endParaRPr lang="en-US"/>
           </a:p>
@@ -2137,7 +2224,7 @@
             <a:fld id="{B86A9B72-EFE5-0C44-9856-127B83BB47D0}" type="datetimeFigureOut">
               <a:rPr lang="en-US" smtClean="0"/>
               <a:pPr/>
-              <a:t>4/28/23</a:t>
+              <a:t>6/2/23</a:t>
             </a:fld>
             <a:endParaRPr lang="en-US"/>
           </a:p>
@@ -2946,7 +3033,7 @@
             <a:fld id="{B86A9B72-EFE5-0C44-9856-127B83BB47D0}" type="datetimeFigureOut">
               <a:rPr lang="en-US" smtClean="0"/>
               <a:pPr/>
-              <a:t>4/28/23</a:t>
+              <a:t>6/2/23</a:t>
             </a:fld>
             <a:endParaRPr lang="en-US"/>
           </a:p>
@@ -3383,7 +3470,7 @@
             <a:fld id="{B86A9B72-EFE5-0C44-9856-127B83BB47D0}" type="datetimeFigureOut">
               <a:rPr lang="en-US" smtClean="0"/>
               <a:pPr/>
-              <a:t>4/28/23</a:t>
+              <a:t>6/2/23</a:t>
             </a:fld>
             <a:endParaRPr lang="en-US"/>
           </a:p>
@@ -3518,7 +3605,7 @@
             <a:fld id="{B86A9B72-EFE5-0C44-9856-127B83BB47D0}" type="datetimeFigureOut">
               <a:rPr lang="en-US" smtClean="0"/>
               <a:pPr/>
-              <a:t>4/28/23</a:t>
+              <a:t>6/2/23</a:t>
             </a:fld>
             <a:endParaRPr lang="en-US"/>
           </a:p>
@@ -3631,7 +3718,7 @@
             <a:fld id="{B86A9B72-EFE5-0C44-9856-127B83BB47D0}" type="datetimeFigureOut">
               <a:rPr lang="en-US" smtClean="0"/>
               <a:pPr/>
-              <a:t>4/28/23</a:t>
+              <a:t>6/2/23</a:t>
             </a:fld>
             <a:endParaRPr lang="en-US"/>
           </a:p>
@@ -4434,209 +4521,6 @@
         </p:nvSpPr>
         <p:spPr>
           <a:xfrm>
-            <a:off x="429870" y="306381"/>
-            <a:ext cx="8714130" cy="1143000"/>
-          </a:xfrm>
-          <a:prstGeom prst="rect">
-            <a:avLst/>
-          </a:prstGeom>
-        </p:spPr>
-        <p:txBody>
-          <a:bodyPr>
-            <a:noAutofit/>
-          </a:bodyPr>
-          <a:lstStyle>
-            <a:lvl1pPr algn="l" defTabSz="342991" rtl="0" eaLnBrk="1" latinLnBrk="0" hangingPunct="1">
-              <a:spcBef>
-                <a:spcPct val="0"/>
-              </a:spcBef>
-              <a:buNone/>
-              <a:defRPr sz="2701" b="1" i="0" kern="1200">
-                <a:solidFill>
-                  <a:srgbClr val="002D50"/>
-                </a:solidFill>
-                <a:latin typeface="Helvetica Neue"/>
-                <a:ea typeface="+mj-ea"/>
-                <a:cs typeface="Helvetica Neue"/>
-              </a:defRPr>
-            </a:lvl1pPr>
-          </a:lstStyle>
-          <a:p>
-            <a:r>
-              <a:rPr lang="en-US" sz="3200" dirty="0"/>
-              <a:t>How to get good at R </a:t>
-            </a:r>
-          </a:p>
-          <a:p>
-            <a:r>
-              <a:rPr lang="en-US" sz="3200" dirty="0"/>
-              <a:t>(or python, or SQL, </a:t>
-            </a:r>
-            <a:r>
-              <a:rPr lang="en-US" sz="3200" dirty="0" err="1"/>
-              <a:t>github</a:t>
-            </a:r>
-            <a:r>
-              <a:rPr lang="en-US" sz="3200" dirty="0"/>
-              <a:t>, or…)</a:t>
-            </a:r>
-          </a:p>
-        </p:txBody>
-      </p:sp>
-      <p:sp>
-        <p:nvSpPr>
-          <p:cNvPr id="3" name="TextBox 2">
-            <a:extLst>
-              <a:ext uri="{FF2B5EF4-FFF2-40B4-BE49-F238E27FC236}">
-                <a16:creationId xmlns:a16="http://schemas.microsoft.com/office/drawing/2014/main" id="{6FCDE2E2-BE58-98DF-E6DF-D5CDACFFECFD}"/>
-              </a:ext>
-            </a:extLst>
-          </p:cNvPr>
-          <p:cNvSpPr txBox="1"/>
-          <p:nvPr/>
-        </p:nvSpPr>
-        <p:spPr>
-          <a:xfrm>
-            <a:off x="429870" y="1616528"/>
-            <a:ext cx="8463407" cy="3693319"/>
-          </a:xfrm>
-          <a:prstGeom prst="rect">
-            <a:avLst/>
-          </a:prstGeom>
-          <a:noFill/>
-        </p:spPr>
-        <p:txBody>
-          <a:bodyPr wrap="none" rtlCol="0">
-            <a:spAutoFit/>
-          </a:bodyPr>
-          <a:lstStyle/>
-          <a:p>
-            <a:pPr marL="457200" indent="-457200">
-              <a:buFont typeface="Arial" panose="020B0604020202020204" pitchFamily="34" charset="0"/>
-              <a:buChar char="•"/>
-            </a:pPr>
-            <a:r>
-              <a:rPr lang="en-US" sz="2600" dirty="0"/>
-              <a:t>Use R, and use it often</a:t>
-            </a:r>
-          </a:p>
-          <a:p>
-            <a:pPr marL="914400" lvl="1" indent="-457200">
-              <a:buFont typeface="Arial" panose="020B0604020202020204" pitchFamily="34" charset="0"/>
-              <a:buChar char="•"/>
-            </a:pPr>
-            <a:r>
-              <a:rPr lang="en-US" sz="2600" dirty="0"/>
-              <a:t>Use R when you could use Excel, even if it takes longer</a:t>
-            </a:r>
-          </a:p>
-          <a:p>
-            <a:pPr marL="914400" lvl="1" indent="-457200">
-              <a:buFont typeface="Arial" panose="020B0604020202020204" pitchFamily="34" charset="0"/>
-              <a:buChar char="•"/>
-            </a:pPr>
-            <a:r>
-              <a:rPr lang="en-US" sz="2600" dirty="0"/>
-              <a:t>Consider a fun personal project</a:t>
-            </a:r>
-          </a:p>
-          <a:p>
-            <a:pPr marL="914400" lvl="1" indent="-457200">
-              <a:buFont typeface="Arial" panose="020B0604020202020204" pitchFamily="34" charset="0"/>
-              <a:buChar char="•"/>
-            </a:pPr>
-            <a:endParaRPr lang="en-US" sz="2600" dirty="0"/>
-          </a:p>
-          <a:p>
-            <a:pPr marL="457200" indent="-457200">
-              <a:buFont typeface="Arial" panose="020B0604020202020204" pitchFamily="34" charset="0"/>
-              <a:buChar char="•"/>
-            </a:pPr>
-            <a:r>
-              <a:rPr lang="en-US" sz="2600" dirty="0"/>
-              <a:t>Follow others on </a:t>
-            </a:r>
-            <a:r>
-              <a:rPr lang="en-US" sz="2600" dirty="0" err="1"/>
-              <a:t>github</a:t>
-            </a:r>
-            <a:r>
-              <a:rPr lang="en-US" sz="2600" dirty="0"/>
-              <a:t> and check out what they’re doing</a:t>
-            </a:r>
-          </a:p>
-          <a:p>
-            <a:pPr marL="457200" indent="-457200">
-              <a:buFont typeface="Arial" panose="020B0604020202020204" pitchFamily="34" charset="0"/>
-              <a:buChar char="•"/>
-            </a:pPr>
-            <a:endParaRPr lang="en-US" sz="2600" dirty="0"/>
-          </a:p>
-          <a:p>
-            <a:pPr marL="457200" indent="-457200">
-              <a:buFont typeface="Arial" panose="020B0604020202020204" pitchFamily="34" charset="0"/>
-              <a:buChar char="•"/>
-            </a:pPr>
-            <a:endParaRPr lang="en-US" sz="2600" dirty="0"/>
-          </a:p>
-          <a:p>
-            <a:endParaRPr lang="en-US" sz="2600" dirty="0"/>
-          </a:p>
-          <a:p>
-            <a:pPr marL="914400" lvl="1" indent="-457200">
-              <a:buFont typeface="Arial" panose="020B0604020202020204" pitchFamily="34" charset="0"/>
-              <a:buChar char="•"/>
-            </a:pPr>
-            <a:endParaRPr lang="en-US" sz="2600" dirty="0"/>
-          </a:p>
-        </p:txBody>
-      </p:sp>
-    </p:spTree>
-    <p:extLst>
-      <p:ext uri="{BB962C8B-B14F-4D97-AF65-F5344CB8AC3E}">
-        <p14:creationId xmlns:p14="http://schemas.microsoft.com/office/powerpoint/2010/main" val="3555015706"/>
-      </p:ext>
-    </p:extLst>
-  </p:cSld>
-  <p:clrMapOvr>
-    <a:masterClrMapping/>
-  </p:clrMapOvr>
-</p:sld>
-</file>
-
-<file path=ppt/slides/slide11.xml><?xml version="1.0" encoding="utf-8"?>
-<p:sld xmlns:a="http://schemas.openxmlformats.org/drawingml/2006/main" xmlns:r="http://schemas.openxmlformats.org/officeDocument/2006/relationships" xmlns:p="http://schemas.openxmlformats.org/presentationml/2006/main">
-  <p:cSld>
-    <p:spTree>
-      <p:nvGrpSpPr>
-        <p:cNvPr id="1" name=""/>
-        <p:cNvGrpSpPr/>
-        <p:nvPr/>
-      </p:nvGrpSpPr>
-      <p:grpSpPr>
-        <a:xfrm>
-          <a:off x="0" y="0"/>
-          <a:ext cx="0" cy="0"/>
-          <a:chOff x="0" y="0"/>
-          <a:chExt cx="0" cy="0"/>
-        </a:xfrm>
-      </p:grpSpPr>
-      <p:sp>
-        <p:nvSpPr>
-          <p:cNvPr id="2" name="Title 2">
-            <a:extLst>
-              <a:ext uri="{FF2B5EF4-FFF2-40B4-BE49-F238E27FC236}">
-                <a16:creationId xmlns:a16="http://schemas.microsoft.com/office/drawing/2014/main" id="{12BEE06C-3CB4-1A31-1F99-81886307D619}"/>
-              </a:ext>
-            </a:extLst>
-          </p:cNvPr>
-          <p:cNvSpPr txBox="1">
-            <a:spLocks/>
-          </p:cNvSpPr>
-          <p:nvPr/>
-        </p:nvSpPr>
-        <p:spPr>
-          <a:xfrm>
             <a:off x="429870" y="306380"/>
             <a:ext cx="7914030" cy="1587733"/>
           </a:xfrm>
@@ -4840,6 +4724,173 @@
           </a:p>
         </p:txBody>
       </p:sp>
+      <p:sp>
+        <p:nvSpPr>
+          <p:cNvPr id="3" name="TextBox 2">
+            <a:extLst>
+              <a:ext uri="{FF2B5EF4-FFF2-40B4-BE49-F238E27FC236}">
+                <a16:creationId xmlns:a16="http://schemas.microsoft.com/office/drawing/2014/main" id="{31BAD111-DB7D-B33C-FD3F-D600D884E731}"/>
+              </a:ext>
+            </a:extLst>
+          </p:cNvPr>
+          <p:cNvSpPr txBox="1"/>
+          <p:nvPr/>
+        </p:nvSpPr>
+        <p:spPr>
+          <a:xfrm>
+            <a:off x="429869" y="1230992"/>
+            <a:ext cx="8284261" cy="3816429"/>
+          </a:xfrm>
+          <a:prstGeom prst="rect">
+            <a:avLst/>
+          </a:prstGeom>
+          <a:noFill/>
+        </p:spPr>
+        <p:txBody>
+          <a:bodyPr wrap="square" rtlCol="0">
+            <a:spAutoFit/>
+          </a:bodyPr>
+          <a:lstStyle/>
+          <a:p>
+            <a:pPr marL="457200" indent="-457200">
+              <a:spcBef>
+                <a:spcPts val="600"/>
+              </a:spcBef>
+              <a:spcAft>
+                <a:spcPts val="600"/>
+              </a:spcAft>
+              <a:buFont typeface="Arial" panose="020B0604020202020204" pitchFamily="34" charset="0"/>
+              <a:buChar char="•"/>
+            </a:pPr>
+            <a:r>
+              <a:rPr lang="en-US" sz="2600" b="1" dirty="0"/>
+              <a:t>Get familiar </a:t>
+            </a:r>
+            <a:r>
+              <a:rPr lang="en-US" sz="2600" dirty="0"/>
+              <a:t>version control and </a:t>
+            </a:r>
+            <a:r>
+              <a:rPr lang="en-US" sz="2600" dirty="0" err="1"/>
+              <a:t>github</a:t>
+            </a:r>
+            <a:endParaRPr lang="en-US" sz="2600" dirty="0"/>
+          </a:p>
+          <a:p>
+            <a:pPr marL="457200" indent="-457200">
+              <a:spcBef>
+                <a:spcPts val="600"/>
+              </a:spcBef>
+              <a:spcAft>
+                <a:spcPts val="600"/>
+              </a:spcAft>
+              <a:buFont typeface="Arial" panose="020B0604020202020204" pitchFamily="34" charset="0"/>
+              <a:buChar char="•"/>
+            </a:pPr>
+            <a:r>
+              <a:rPr lang="en-US" sz="2600" b="1" dirty="0"/>
+              <a:t>Create</a:t>
+            </a:r>
+            <a:r>
+              <a:rPr lang="en-US" sz="2600" dirty="0"/>
+              <a:t> a </a:t>
+            </a:r>
+            <a:r>
+              <a:rPr lang="en-US" sz="2600" dirty="0" err="1"/>
+              <a:t>github</a:t>
+            </a:r>
+            <a:r>
+              <a:rPr lang="en-US" sz="2600" dirty="0"/>
+              <a:t> account</a:t>
+            </a:r>
+          </a:p>
+          <a:p>
+            <a:pPr marL="457200" indent="-457200">
+              <a:spcBef>
+                <a:spcPts val="600"/>
+              </a:spcBef>
+              <a:spcAft>
+                <a:spcPts val="600"/>
+              </a:spcAft>
+              <a:buFont typeface="Arial" panose="020B0604020202020204" pitchFamily="34" charset="0"/>
+              <a:buChar char="•"/>
+            </a:pPr>
+            <a:r>
+              <a:rPr lang="en-US" sz="2600" b="1" dirty="0"/>
+              <a:t>Learn</a:t>
+            </a:r>
+            <a:r>
+              <a:rPr lang="en-US" sz="2600" dirty="0"/>
+              <a:t> how other people use R in their day jobs</a:t>
+            </a:r>
+            <a:endParaRPr lang="en-US" sz="2600" b="1" dirty="0"/>
+          </a:p>
+          <a:p>
+            <a:pPr marL="457200" indent="-457200">
+              <a:spcBef>
+                <a:spcPts val="600"/>
+              </a:spcBef>
+              <a:spcAft>
+                <a:spcPts val="600"/>
+              </a:spcAft>
+              <a:buFont typeface="Arial" panose="020B0604020202020204" pitchFamily="34" charset="0"/>
+              <a:buChar char="•"/>
+            </a:pPr>
+            <a:r>
+              <a:rPr lang="en-US" sz="2600" b="1" dirty="0"/>
+              <a:t>Brainstorm</a:t>
+            </a:r>
+            <a:r>
+              <a:rPr lang="en-US" sz="2600" dirty="0"/>
+              <a:t> how you can keep using R</a:t>
+            </a:r>
+          </a:p>
+          <a:p>
+            <a:pPr marL="457200" indent="-457200">
+              <a:spcBef>
+                <a:spcPts val="600"/>
+              </a:spcBef>
+              <a:spcAft>
+                <a:spcPts val="600"/>
+              </a:spcAft>
+              <a:buFont typeface="Arial" panose="020B0604020202020204" pitchFamily="34" charset="0"/>
+              <a:buChar char="•"/>
+            </a:pPr>
+            <a:r>
+              <a:rPr lang="en-US" sz="2600" b="1" dirty="0"/>
+              <a:t>Great creative </a:t>
+            </a:r>
+            <a:r>
+              <a:rPr lang="en-US" sz="2600" dirty="0"/>
+              <a:t>and have fun exploring datasets</a:t>
+            </a:r>
+          </a:p>
+          <a:p>
+            <a:pPr lvl="1">
+              <a:spcBef>
+                <a:spcPts val="600"/>
+              </a:spcBef>
+              <a:spcAft>
+                <a:spcPts val="600"/>
+              </a:spcAft>
+            </a:pPr>
+            <a:endParaRPr lang="en-US" sz="2600" dirty="0"/>
+          </a:p>
+          <a:p>
+            <a:pPr marL="457200" indent="-457200">
+              <a:spcBef>
+                <a:spcPts val="600"/>
+              </a:spcBef>
+              <a:spcAft>
+                <a:spcPts val="600"/>
+              </a:spcAft>
+              <a:buFont typeface="Arial" panose="020B0604020202020204" pitchFamily="34" charset="0"/>
+              <a:buChar char="•"/>
+            </a:pPr>
+            <a:endParaRPr lang="en-US" sz="2600" dirty="0"/>
+          </a:p>
+        </p:txBody>
+      </p:sp>
     </p:spTree>
     <p:extLst>
       <p:ext uri="{BB962C8B-B14F-4D97-AF65-F5344CB8AC3E}">
@@ -5017,87 +5068,6 @@
 </file>
 
 <file path=ppt/slides/slide4.xml><?xml version="1.0" encoding="utf-8"?>
-<p:sld xmlns:a="http://schemas.openxmlformats.org/drawingml/2006/main" xmlns:r="http://schemas.openxmlformats.org/officeDocument/2006/relationships" xmlns:p="http://schemas.openxmlformats.org/presentationml/2006/main">
-  <p:cSld>
-    <p:spTree>
-      <p:nvGrpSpPr>
-        <p:cNvPr id="1" name=""/>
-        <p:cNvGrpSpPr/>
-        <p:nvPr/>
-      </p:nvGrpSpPr>
-      <p:grpSpPr>
-        <a:xfrm>
-          <a:off x="0" y="0"/>
-          <a:ext cx="0" cy="0"/>
-          <a:chOff x="0" y="0"/>
-          <a:chExt cx="0" cy="0"/>
-        </a:xfrm>
-      </p:grpSpPr>
-      <p:sp>
-        <p:nvSpPr>
-          <p:cNvPr id="2" name="Title 2">
-            <a:extLst>
-              <a:ext uri="{FF2B5EF4-FFF2-40B4-BE49-F238E27FC236}">
-                <a16:creationId xmlns:a16="http://schemas.microsoft.com/office/drawing/2014/main" id="{12BEE06C-3CB4-1A31-1F99-81886307D619}"/>
-              </a:ext>
-            </a:extLst>
-          </p:cNvPr>
-          <p:cNvSpPr txBox="1">
-            <a:spLocks/>
-          </p:cNvSpPr>
-          <p:nvPr/>
-        </p:nvSpPr>
-        <p:spPr>
-          <a:xfrm>
-            <a:off x="429870" y="306381"/>
-            <a:ext cx="6598728" cy="1143000"/>
-          </a:xfrm>
-          <a:prstGeom prst="rect">
-            <a:avLst/>
-          </a:prstGeom>
-        </p:spPr>
-        <p:txBody>
-          <a:bodyPr>
-            <a:noAutofit/>
-          </a:bodyPr>
-          <a:lstStyle>
-            <a:lvl1pPr algn="l" defTabSz="342991" rtl="0" eaLnBrk="1" latinLnBrk="0" hangingPunct="1">
-              <a:spcBef>
-                <a:spcPct val="0"/>
-              </a:spcBef>
-              <a:buNone/>
-              <a:defRPr sz="2701" b="1" i="0" kern="1200">
-                <a:solidFill>
-                  <a:srgbClr val="002D50"/>
-                </a:solidFill>
-                <a:latin typeface="Helvetica Neue"/>
-                <a:ea typeface="+mj-ea"/>
-                <a:cs typeface="Helvetica Neue"/>
-              </a:defRPr>
-            </a:lvl1pPr>
-          </a:lstStyle>
-          <a:p>
-            <a:r>
-              <a:rPr lang="en-US" sz="3200" dirty="0"/>
-              <a:t>Version control</a:t>
-            </a:r>
-          </a:p>
-        </p:txBody>
-      </p:sp>
-    </p:spTree>
-    <p:extLst>
-      <p:ext uri="{BB962C8B-B14F-4D97-AF65-F5344CB8AC3E}">
-        <p14:creationId xmlns:p14="http://schemas.microsoft.com/office/powerpoint/2010/main" val="2734654945"/>
-      </p:ext>
-    </p:extLst>
-  </p:cSld>
-  <p:clrMapOvr>
-    <a:masterClrMapping/>
-  </p:clrMapOvr>
-</p:sld>
-</file>
-
-<file path=ppt/slides/slide5.xml><?xml version="1.0" encoding="utf-8"?>
 <p:sld xmlns:a="http://schemas.openxmlformats.org/drawingml/2006/main" xmlns:r="http://schemas.openxmlformats.org/officeDocument/2006/relationships" xmlns:p="http://schemas.openxmlformats.org/presentationml/2006/main">
   <p:cSld>
     <p:spTree>
@@ -5192,6 +5162,112 @@
 </p:sld>
 </file>
 
+<file path=ppt/slides/slide5.xml><?xml version="1.0" encoding="utf-8"?>
+<p:sld xmlns:a="http://schemas.openxmlformats.org/drawingml/2006/main" xmlns:r="http://schemas.openxmlformats.org/officeDocument/2006/relationships" xmlns:p="http://schemas.openxmlformats.org/presentationml/2006/main">
+  <p:cSld>
+    <p:spTree>
+      <p:nvGrpSpPr>
+        <p:cNvPr id="1" name=""/>
+        <p:cNvGrpSpPr/>
+        <p:nvPr/>
+      </p:nvGrpSpPr>
+      <p:grpSpPr>
+        <a:xfrm>
+          <a:off x="0" y="0"/>
+          <a:ext cx="0" cy="0"/>
+          <a:chOff x="0" y="0"/>
+          <a:chExt cx="0" cy="0"/>
+        </a:xfrm>
+      </p:grpSpPr>
+      <p:sp>
+        <p:nvSpPr>
+          <p:cNvPr id="2" name="Title 2">
+            <a:extLst>
+              <a:ext uri="{FF2B5EF4-FFF2-40B4-BE49-F238E27FC236}">
+                <a16:creationId xmlns:a16="http://schemas.microsoft.com/office/drawing/2014/main" id="{12BEE06C-3CB4-1A31-1F99-81886307D619}"/>
+              </a:ext>
+            </a:extLst>
+          </p:cNvPr>
+          <p:cNvSpPr txBox="1">
+            <a:spLocks/>
+          </p:cNvSpPr>
+          <p:nvPr/>
+        </p:nvSpPr>
+        <p:spPr>
+          <a:xfrm>
+            <a:off x="1344270" y="2155372"/>
+            <a:ext cx="6901658" cy="1143000"/>
+          </a:xfrm>
+          <a:prstGeom prst="rect">
+            <a:avLst/>
+          </a:prstGeom>
+        </p:spPr>
+        <p:txBody>
+          <a:bodyPr>
+            <a:noAutofit/>
+          </a:bodyPr>
+          <a:lstStyle>
+            <a:lvl1pPr algn="l" defTabSz="342991" rtl="0" eaLnBrk="1" latinLnBrk="0" hangingPunct="1">
+              <a:spcBef>
+                <a:spcPct val="0"/>
+              </a:spcBef>
+              <a:buNone/>
+              <a:defRPr sz="2701" b="1" i="0" kern="1200">
+                <a:solidFill>
+                  <a:srgbClr val="002D50"/>
+                </a:solidFill>
+                <a:latin typeface="Helvetica Neue"/>
+                <a:ea typeface="+mj-ea"/>
+                <a:cs typeface="Helvetica Neue"/>
+              </a:defRPr>
+            </a:lvl1pPr>
+          </a:lstStyle>
+          <a:p>
+            <a:pPr algn="ctr"/>
+            <a:r>
+              <a:rPr lang="en-US" sz="3200" b="0" dirty="0"/>
+              <a:t>https://</a:t>
+            </a:r>
+            <a:r>
+              <a:rPr lang="en-US" sz="3200" b="0" dirty="0" err="1"/>
+              <a:t>www.youtube.com</a:t>
+            </a:r>
+            <a:r>
+              <a:rPr lang="en-US" sz="3200" b="0" dirty="0"/>
+              <a:t>/</a:t>
+            </a:r>
+            <a:r>
+              <a:rPr lang="en-US" sz="3200" b="0" dirty="0" err="1"/>
+              <a:t>watch?v</a:t>
+            </a:r>
+            <a:r>
+              <a:rPr lang="en-US" sz="3200" b="0" dirty="0"/>
+              <a:t>=</a:t>
+            </a:r>
+            <a:r>
+              <a:rPr lang="en-US" sz="3200" b="0" dirty="0" err="1"/>
+              <a:t>BCQHnlnPusY&amp;list</a:t>
+            </a:r>
+            <a:r>
+              <a:rPr lang="en-US" sz="3200" b="0" dirty="0"/>
+              <a:t>=PLRqwX-V7Uu6ZF9C0YMKuns9sLDzK6zoiV</a:t>
+            </a:r>
+          </a:p>
+        </p:txBody>
+      </p:sp>
+    </p:spTree>
+    <p:extLst>
+      <p:ext uri="{BB962C8B-B14F-4D97-AF65-F5344CB8AC3E}">
+        <p14:creationId xmlns:p14="http://schemas.microsoft.com/office/powerpoint/2010/main" val="2734654945"/>
+      </p:ext>
+    </p:extLst>
+  </p:cSld>
+  <p:clrMapOvr>
+    <a:masterClrMapping/>
+  </p:clrMapOvr>
+</p:sld>
+</file>
+
 <file path=ppt/slides/slide6.xml><?xml version="1.0" encoding="utf-8"?>
 <p:sld xmlns:a="http://schemas.openxmlformats.org/drawingml/2006/main" xmlns:r="http://schemas.openxmlformats.org/officeDocument/2006/relationships" xmlns:p="http://schemas.openxmlformats.org/presentationml/2006/main">
   <p:cSld>
@@ -5211,13 +5287,48 @@
       </p:grpSpPr>
       <p:sp>
         <p:nvSpPr>
-          <p:cNvPr id="2" name="Title 2">
-            <a:extLst>
-              <a:ext uri="{FF2B5EF4-FFF2-40B4-BE49-F238E27FC236}">
-                <a16:creationId xmlns:a16="http://schemas.microsoft.com/office/drawing/2014/main" id="{12BEE06C-3CB4-1A31-1F99-81886307D619}"/>
-              </a:ext>
-            </a:extLst>
-          </p:cNvPr>
+          <p:cNvPr id="10" name="Rectangle 9"/>
+          <p:cNvSpPr/>
+          <p:nvPr/>
+        </p:nvSpPr>
+        <p:spPr>
+          <a:xfrm>
+            <a:off x="-1" y="1330504"/>
+            <a:ext cx="9144001" cy="5527496"/>
+          </a:xfrm>
+          <a:prstGeom prst="rect">
+            <a:avLst/>
+          </a:prstGeom>
+          <a:solidFill>
+            <a:srgbClr val="041E42"/>
+          </a:solidFill>
+        </p:spPr>
+        <p:style>
+          <a:lnRef idx="1">
+            <a:schemeClr val="accent1"/>
+          </a:lnRef>
+          <a:fillRef idx="3">
+            <a:schemeClr val="accent1"/>
+          </a:fillRef>
+          <a:effectRef idx="2">
+            <a:schemeClr val="accent1"/>
+          </a:effectRef>
+          <a:fontRef idx="minor">
+            <a:schemeClr val="lt1"/>
+          </a:fontRef>
+        </p:style>
+        <p:txBody>
+          <a:bodyPr rtlCol="0" anchor="ctr"/>
+          <a:lstStyle/>
+          <a:p>
+            <a:pPr algn="ctr"/>
+            <a:endParaRPr lang="en-US" sz="1350" dirty="0"/>
+          </a:p>
+        </p:txBody>
+      </p:sp>
+      <p:sp>
+        <p:nvSpPr>
+          <p:cNvPr id="8" name="Title 5"/>
           <p:cNvSpPr txBox="1">
             <a:spLocks/>
           </p:cNvSpPr>
@@ -5225,8 +5336,8 @@
         </p:nvSpPr>
         <p:spPr>
           <a:xfrm>
-            <a:off x="429870" y="306381"/>
-            <a:ext cx="6598728" cy="1143000"/>
+            <a:off x="383218" y="1477992"/>
+            <a:ext cx="7954732" cy="815898"/>
           </a:xfrm>
           <a:prstGeom prst="rect">
             <a:avLst/>
@@ -5237,34 +5348,83 @@
             <a:noAutofit/>
           </a:bodyPr>
           <a:lstStyle>
-            <a:lvl1pPr algn="l" defTabSz="342991" rtl="0" eaLnBrk="1" latinLnBrk="0" hangingPunct="1">
+            <a:lvl1pPr algn="ctr" defTabSz="457200" rtl="0" eaLnBrk="1" latinLnBrk="0" hangingPunct="1">
               <a:spcBef>
                 <a:spcPct val="0"/>
               </a:spcBef>
               <a:buNone/>
-              <a:defRPr sz="2701" b="1" i="0" kern="1200">
+              <a:defRPr sz="4200" b="0" i="1" kern="1200">
                 <a:solidFill>
                   <a:srgbClr val="002D50"/>
                 </a:solidFill>
-                <a:latin typeface="Helvetica Neue"/>
+                <a:latin typeface="Adobe Caslon Pro"/>
                 <a:ea typeface="+mj-ea"/>
-                <a:cs typeface="Helvetica Neue"/>
+                <a:cs typeface="Adobe Caslon Pro"/>
               </a:defRPr>
             </a:lvl1pPr>
           </a:lstStyle>
           <a:p>
-            <a:r>
-              <a:rPr lang="en-US" sz="3200" dirty="0" err="1"/>
-              <a:t>Github</a:t>
-            </a:r>
-            <a:endParaRPr lang="en-US" sz="3200" dirty="0"/>
-          </a:p>
-        </p:txBody>
-      </p:sp>
+            <a:pPr algn="l"/>
+            <a:r>
+              <a:rPr lang="en-US" sz="4051" dirty="0">
+                <a:solidFill>
+                  <a:schemeClr val="bg1"/>
+                </a:solidFill>
+                <a:latin typeface="Helvetica Neue"/>
+                <a:cs typeface="Helvetica Neue"/>
+              </a:rPr>
+              <a:t>Make a </a:t>
+            </a:r>
+            <a:r>
+              <a:rPr lang="en-US" sz="4051" dirty="0" err="1">
+                <a:solidFill>
+                  <a:schemeClr val="bg1"/>
+                </a:solidFill>
+                <a:latin typeface="Helvetica Neue"/>
+                <a:cs typeface="Helvetica Neue"/>
+              </a:rPr>
+              <a:t>github</a:t>
+            </a:r>
+            <a:r>
+              <a:rPr lang="en-US" sz="4051" dirty="0">
+                <a:solidFill>
+                  <a:schemeClr val="bg1"/>
+                </a:solidFill>
+                <a:latin typeface="Helvetica Neue"/>
+                <a:cs typeface="Helvetica Neue"/>
+              </a:rPr>
+              <a:t> account</a:t>
+            </a:r>
+          </a:p>
+        </p:txBody>
+      </p:sp>
+      <p:pic>
+        <p:nvPicPr>
+          <p:cNvPr id="12" name="Picture 11"/>
+          <p:cNvPicPr>
+            <a:picLocks noChangeAspect="1"/>
+          </p:cNvPicPr>
+          <p:nvPr/>
+        </p:nvPicPr>
+        <p:blipFill>
+          <a:blip r:embed="rId3"/>
+          <a:srcRect/>
+          <a:stretch/>
+        </p:blipFill>
+        <p:spPr>
+          <a:xfrm>
+            <a:off x="263465" y="398530"/>
+            <a:ext cx="5120827" cy="556906"/>
+          </a:xfrm>
+          <a:prstGeom prst="rect">
+            <a:avLst/>
+          </a:prstGeom>
+        </p:spPr>
+      </p:pic>
     </p:spTree>
     <p:extLst>
       <p:ext uri="{BB962C8B-B14F-4D97-AF65-F5344CB8AC3E}">
-        <p14:creationId xmlns:p14="http://schemas.microsoft.com/office/powerpoint/2010/main" val="3589557503"/>
+        <p14:creationId xmlns:p14="http://schemas.microsoft.com/office/powerpoint/2010/main" val="3658486145"/>
       </p:ext>
     </p:extLst>
   </p:cSld>
@@ -5293,13 +5453,48 @@
       </p:grpSpPr>
       <p:sp>
         <p:nvSpPr>
-          <p:cNvPr id="2" name="Title 2">
-            <a:extLst>
-              <a:ext uri="{FF2B5EF4-FFF2-40B4-BE49-F238E27FC236}">
-                <a16:creationId xmlns:a16="http://schemas.microsoft.com/office/drawing/2014/main" id="{12BEE06C-3CB4-1A31-1F99-81886307D619}"/>
-              </a:ext>
-            </a:extLst>
-          </p:cNvPr>
+          <p:cNvPr id="10" name="Rectangle 9"/>
+          <p:cNvSpPr/>
+          <p:nvPr/>
+        </p:nvSpPr>
+        <p:spPr>
+          <a:xfrm>
+            <a:off x="-1" y="1330504"/>
+            <a:ext cx="9144001" cy="5527496"/>
+          </a:xfrm>
+          <a:prstGeom prst="rect">
+            <a:avLst/>
+          </a:prstGeom>
+          <a:solidFill>
+            <a:srgbClr val="041E42"/>
+          </a:solidFill>
+        </p:spPr>
+        <p:style>
+          <a:lnRef idx="1">
+            <a:schemeClr val="accent1"/>
+          </a:lnRef>
+          <a:fillRef idx="3">
+            <a:schemeClr val="accent1"/>
+          </a:fillRef>
+          <a:effectRef idx="2">
+            <a:schemeClr val="accent1"/>
+          </a:effectRef>
+          <a:fontRef idx="minor">
+            <a:schemeClr val="lt1"/>
+          </a:fontRef>
+        </p:style>
+        <p:txBody>
+          <a:bodyPr rtlCol="0" anchor="ctr"/>
+          <a:lstStyle/>
+          <a:p>
+            <a:pPr algn="ctr"/>
+            <a:endParaRPr lang="en-US" sz="1350" dirty="0"/>
+          </a:p>
+        </p:txBody>
+      </p:sp>
+      <p:sp>
+        <p:nvSpPr>
+          <p:cNvPr id="8" name="Title 5"/>
           <p:cNvSpPr txBox="1">
             <a:spLocks/>
           </p:cNvSpPr>
@@ -5307,8 +5502,8 @@
         </p:nvSpPr>
         <p:spPr>
           <a:xfrm>
-            <a:off x="429870" y="306381"/>
-            <a:ext cx="6598728" cy="1143000"/>
+            <a:off x="383218" y="1477992"/>
+            <a:ext cx="7954732" cy="815898"/>
           </a:xfrm>
           <a:prstGeom prst="rect">
             <a:avLst/>
@@ -5319,41 +5514,63 @@
             <a:noAutofit/>
           </a:bodyPr>
           <a:lstStyle>
-            <a:lvl1pPr algn="l" defTabSz="342991" rtl="0" eaLnBrk="1" latinLnBrk="0" hangingPunct="1">
+            <a:lvl1pPr algn="ctr" defTabSz="457200" rtl="0" eaLnBrk="1" latinLnBrk="0" hangingPunct="1">
               <a:spcBef>
                 <a:spcPct val="0"/>
               </a:spcBef>
               <a:buNone/>
-              <a:defRPr sz="2701" b="1" i="0" kern="1200">
+              <a:defRPr sz="4200" b="0" i="1" kern="1200">
                 <a:solidFill>
                   <a:srgbClr val="002D50"/>
                 </a:solidFill>
-                <a:latin typeface="Helvetica Neue"/>
+                <a:latin typeface="Adobe Caslon Pro"/>
                 <a:ea typeface="+mj-ea"/>
-                <a:cs typeface="Helvetica Neue"/>
+                <a:cs typeface="Adobe Caslon Pro"/>
               </a:defRPr>
             </a:lvl1pPr>
           </a:lstStyle>
           <a:p>
-            <a:r>
-              <a:rPr lang="en-US" sz="3200" dirty="0"/>
-              <a:t>Creating a </a:t>
-            </a:r>
-            <a:r>
-              <a:rPr lang="en-US" sz="3200" dirty="0" err="1"/>
-              <a:t>github</a:t>
-            </a:r>
-            <a:r>
-              <a:rPr lang="en-US" sz="3200" dirty="0"/>
-              <a:t> account</a:t>
-            </a:r>
-          </a:p>
-        </p:txBody>
-      </p:sp>
+            <a:pPr algn="l"/>
+            <a:r>
+              <a:rPr lang="en-US" sz="4051" dirty="0">
+                <a:solidFill>
+                  <a:schemeClr val="bg1"/>
+                </a:solidFill>
+                <a:latin typeface="Helvetica Neue"/>
+                <a:cs typeface="Helvetica Neue"/>
+              </a:rPr>
+              <a:t>Research and open-source projects in R</a:t>
+            </a:r>
+          </a:p>
+        </p:txBody>
+      </p:sp>
+      <p:pic>
+        <p:nvPicPr>
+          <p:cNvPr id="12" name="Picture 11"/>
+          <p:cNvPicPr>
+            <a:picLocks noChangeAspect="1"/>
+          </p:cNvPicPr>
+          <p:nvPr/>
+        </p:nvPicPr>
+        <p:blipFill>
+          <a:blip r:embed="rId3"/>
+          <a:srcRect/>
+          <a:stretch/>
+        </p:blipFill>
+        <p:spPr>
+          <a:xfrm>
+            <a:off x="263465" y="398530"/>
+            <a:ext cx="5120827" cy="556906"/>
+          </a:xfrm>
+          <a:prstGeom prst="rect">
+            <a:avLst/>
+          </a:prstGeom>
+        </p:spPr>
+      </p:pic>
     </p:spTree>
     <p:extLst>
       <p:ext uri="{BB962C8B-B14F-4D97-AF65-F5344CB8AC3E}">
-        <p14:creationId xmlns:p14="http://schemas.microsoft.com/office/powerpoint/2010/main" val="3266688494"/>
+        <p14:creationId xmlns:p14="http://schemas.microsoft.com/office/powerpoint/2010/main" val="4047090485"/>
       </p:ext>
     </p:extLst>
   </p:cSld>
@@ -5468,7 +5685,7 @@
                 <a:latin typeface="Helvetica Neue"/>
                 <a:cs typeface="Helvetica Neue"/>
               </a:rPr>
-              <a:t>Research and open-source projects in R</a:t>
+              <a:t>Where to learn more</a:t>
             </a:r>
           </a:p>
         </p:txBody>
@@ -5499,7 +5716,7 @@
     </p:spTree>
     <p:extLst>
       <p:ext uri="{BB962C8B-B14F-4D97-AF65-F5344CB8AC3E}">
-        <p14:creationId xmlns:p14="http://schemas.microsoft.com/office/powerpoint/2010/main" val="4047090485"/>
+        <p14:creationId xmlns:p14="http://schemas.microsoft.com/office/powerpoint/2010/main" val="711495662"/>
       </p:ext>
     </p:extLst>
   </p:cSld>
@@ -5528,48 +5745,13 @@
       </p:grpSpPr>
       <p:sp>
         <p:nvSpPr>
-          <p:cNvPr id="10" name="Rectangle 9"/>
-          <p:cNvSpPr/>
-          <p:nvPr/>
-        </p:nvSpPr>
-        <p:spPr>
-          <a:xfrm>
-            <a:off x="-1" y="1330504"/>
-            <a:ext cx="9144001" cy="5527496"/>
-          </a:xfrm>
-          <a:prstGeom prst="rect">
-            <a:avLst/>
-          </a:prstGeom>
-          <a:solidFill>
-            <a:srgbClr val="041E42"/>
-          </a:solidFill>
-        </p:spPr>
-        <p:style>
-          <a:lnRef idx="1">
-            <a:schemeClr val="accent1"/>
-          </a:lnRef>
-          <a:fillRef idx="3">
-            <a:schemeClr val="accent1"/>
-          </a:fillRef>
-          <a:effectRef idx="2">
-            <a:schemeClr val="accent1"/>
-          </a:effectRef>
-          <a:fontRef idx="minor">
-            <a:schemeClr val="lt1"/>
-          </a:fontRef>
-        </p:style>
-        <p:txBody>
-          <a:bodyPr rtlCol="0" anchor="ctr"/>
-          <a:lstStyle/>
-          <a:p>
-            <a:pPr algn="ctr"/>
-            <a:endParaRPr lang="en-US" sz="1350" dirty="0"/>
-          </a:p>
-        </p:txBody>
-      </p:sp>
-      <p:sp>
-        <p:nvSpPr>
-          <p:cNvPr id="8" name="Title 5"/>
+          <p:cNvPr id="2" name="Title 2">
+            <a:extLst>
+              <a:ext uri="{FF2B5EF4-FFF2-40B4-BE49-F238E27FC236}">
+                <a16:creationId xmlns:a16="http://schemas.microsoft.com/office/drawing/2014/main" id="{12BEE06C-3CB4-1A31-1F99-81886307D619}"/>
+              </a:ext>
+            </a:extLst>
+          </p:cNvPr>
           <p:cNvSpPr txBox="1">
             <a:spLocks/>
           </p:cNvSpPr>
@@ -5577,8 +5759,8 @@
         </p:nvSpPr>
         <p:spPr>
           <a:xfrm>
-            <a:off x="383218" y="1477992"/>
-            <a:ext cx="7954732" cy="815898"/>
+            <a:off x="429870" y="306381"/>
+            <a:ext cx="8714130" cy="1143000"/>
           </a:xfrm>
           <a:prstGeom prst="rect">
             <a:avLst/>
@@ -5589,63 +5771,155 @@
             <a:noAutofit/>
           </a:bodyPr>
           <a:lstStyle>
-            <a:lvl1pPr algn="ctr" defTabSz="457200" rtl="0" eaLnBrk="1" latinLnBrk="0" hangingPunct="1">
+            <a:lvl1pPr algn="l" defTabSz="342991" rtl="0" eaLnBrk="1" latinLnBrk="0" hangingPunct="1">
               <a:spcBef>
                 <a:spcPct val="0"/>
               </a:spcBef>
               <a:buNone/>
-              <a:defRPr sz="4200" b="0" i="1" kern="1200">
+              <a:defRPr sz="2701" b="1" i="0" kern="1200">
                 <a:solidFill>
                   <a:srgbClr val="002D50"/>
                 </a:solidFill>
-                <a:latin typeface="Adobe Caslon Pro"/>
+                <a:latin typeface="Helvetica Neue"/>
                 <a:ea typeface="+mj-ea"/>
-                <a:cs typeface="Adobe Caslon Pro"/>
+                <a:cs typeface="Helvetica Neue"/>
               </a:defRPr>
             </a:lvl1pPr>
           </a:lstStyle>
           <a:p>
-            <a:pPr algn="l"/>
-            <a:r>
-              <a:rPr lang="en-US" sz="4051" dirty="0">
-                <a:solidFill>
-                  <a:schemeClr val="bg1"/>
-                </a:solidFill>
-                <a:latin typeface="Helvetica Neue"/>
-                <a:cs typeface="Helvetica Neue"/>
-              </a:rPr>
-              <a:t>Where to learn more</a:t>
-            </a:r>
-          </a:p>
-        </p:txBody>
-      </p:sp>
-      <p:pic>
-        <p:nvPicPr>
-          <p:cNvPr id="12" name="Picture 11"/>
-          <p:cNvPicPr>
-            <a:picLocks noChangeAspect="1"/>
-          </p:cNvPicPr>
+            <a:r>
+              <a:rPr lang="en-US" sz="3200" dirty="0"/>
+              <a:t>How to get good at R </a:t>
+            </a:r>
+          </a:p>
+          <a:p>
+            <a:r>
+              <a:rPr lang="en-US" sz="3200" dirty="0"/>
+              <a:t>(or python, or SQL, </a:t>
+            </a:r>
+            <a:r>
+              <a:rPr lang="en-US" sz="3200" dirty="0" err="1"/>
+              <a:t>github</a:t>
+            </a:r>
+            <a:r>
+              <a:rPr lang="en-US" sz="3200" dirty="0"/>
+              <a:t>, or…)</a:t>
+            </a:r>
+          </a:p>
+        </p:txBody>
+      </p:sp>
+      <p:sp>
+        <p:nvSpPr>
+          <p:cNvPr id="3" name="TextBox 2">
+            <a:extLst>
+              <a:ext uri="{FF2B5EF4-FFF2-40B4-BE49-F238E27FC236}">
+                <a16:creationId xmlns:a16="http://schemas.microsoft.com/office/drawing/2014/main" id="{6FCDE2E2-BE58-98DF-E6DF-D5CDACFFECFD}"/>
+              </a:ext>
+            </a:extLst>
+          </p:cNvPr>
+          <p:cNvSpPr txBox="1"/>
           <p:nvPr/>
-        </p:nvPicPr>
-        <p:blipFill>
-          <a:blip r:embed="rId3"/>
-          <a:srcRect/>
-          <a:stretch/>
-        </p:blipFill>
-        <p:spPr>
-          <a:xfrm>
-            <a:off x="263465" y="398530"/>
-            <a:ext cx="5120827" cy="556906"/>
+        </p:nvSpPr>
+        <p:spPr>
+          <a:xfrm>
+            <a:off x="429870" y="1616528"/>
+            <a:ext cx="8463407" cy="3693319"/>
           </a:xfrm>
           <a:prstGeom prst="rect">
             <a:avLst/>
           </a:prstGeom>
-        </p:spPr>
-      </p:pic>
+          <a:noFill/>
+        </p:spPr>
+        <p:txBody>
+          <a:bodyPr wrap="none" rtlCol="0">
+            <a:spAutoFit/>
+          </a:bodyPr>
+          <a:lstStyle/>
+          <a:p>
+            <a:pPr marL="457200" indent="-457200">
+              <a:buFont typeface="Arial" panose="020B0604020202020204" pitchFamily="34" charset="0"/>
+              <a:buChar char="•"/>
+            </a:pPr>
+            <a:r>
+              <a:rPr lang="en-US" sz="2600" dirty="0"/>
+              <a:t>Use R, and use it often</a:t>
+            </a:r>
+          </a:p>
+          <a:p>
+            <a:pPr marL="914400" lvl="1" indent="-457200">
+              <a:buFont typeface="Arial" panose="020B0604020202020204" pitchFamily="34" charset="0"/>
+              <a:buChar char="•"/>
+            </a:pPr>
+            <a:r>
+              <a:rPr lang="en-US" sz="2600" dirty="0"/>
+              <a:t>Use R when you could use Excel, even if it takes longer</a:t>
+            </a:r>
+          </a:p>
+          <a:p>
+            <a:pPr marL="914400" lvl="1" indent="-457200">
+              <a:buFont typeface="Arial" panose="020B0604020202020204" pitchFamily="34" charset="0"/>
+              <a:buChar char="•"/>
+            </a:pPr>
+            <a:r>
+              <a:rPr lang="en-US" sz="2600" dirty="0"/>
+              <a:t>Consider a fun personal project</a:t>
+            </a:r>
+          </a:p>
+          <a:p>
+            <a:pPr marL="914400" lvl="1" indent="-457200">
+              <a:buFont typeface="Arial" panose="020B0604020202020204" pitchFamily="34" charset="0"/>
+              <a:buChar char="•"/>
+            </a:pPr>
+            <a:endParaRPr lang="en-US" sz="2600" dirty="0"/>
+          </a:p>
+          <a:p>
+            <a:pPr marL="457200" indent="-457200">
+              <a:buFont typeface="Arial" panose="020B0604020202020204" pitchFamily="34" charset="0"/>
+              <a:buChar char="•"/>
+            </a:pPr>
+            <a:r>
+              <a:rPr lang="en-US" sz="2600" dirty="0"/>
+              <a:t>Follow others on </a:t>
+            </a:r>
+            <a:r>
+              <a:rPr lang="en-US" sz="2600" dirty="0" err="1"/>
+              <a:t>github</a:t>
+            </a:r>
+            <a:r>
+              <a:rPr lang="en-US" sz="2600" dirty="0"/>
+              <a:t> and check out what they’re doing</a:t>
+            </a:r>
+          </a:p>
+          <a:p>
+            <a:pPr marL="457200" indent="-457200">
+              <a:buFont typeface="Arial" panose="020B0604020202020204" pitchFamily="34" charset="0"/>
+              <a:buChar char="•"/>
+            </a:pPr>
+            <a:endParaRPr lang="en-US" sz="2600" dirty="0"/>
+          </a:p>
+          <a:p>
+            <a:pPr marL="457200" indent="-457200">
+              <a:buFont typeface="Arial" panose="020B0604020202020204" pitchFamily="34" charset="0"/>
+              <a:buChar char="•"/>
+            </a:pPr>
+            <a:endParaRPr lang="en-US" sz="2600" dirty="0"/>
+          </a:p>
+          <a:p>
+            <a:endParaRPr lang="en-US" sz="2600" dirty="0"/>
+          </a:p>
+          <a:p>
+            <a:pPr marL="914400" lvl="1" indent="-457200">
+              <a:buFont typeface="Arial" panose="020B0604020202020204" pitchFamily="34" charset="0"/>
+              <a:buChar char="•"/>
+            </a:pPr>
+            <a:endParaRPr lang="en-US" sz="2600" dirty="0"/>
+          </a:p>
+        </p:txBody>
+      </p:sp>
     </p:spTree>
     <p:extLst>
       <p:ext uri="{BB962C8B-B14F-4D97-AF65-F5344CB8AC3E}">
-        <p14:creationId xmlns:p14="http://schemas.microsoft.com/office/powerpoint/2010/main" val="711495662"/>
+        <p14:creationId xmlns:p14="http://schemas.microsoft.com/office/powerpoint/2010/main" val="3555015706"/>
       </p:ext>
     </p:extLst>
   </p:cSld>
